--- a/Lesson6/DEMO_NHUNG/Team2_NhungJS.pptx
+++ b/Lesson6/DEMO_NHUNG/Team2_NhungJS.pptx
@@ -30,6 +30,7 @@
     <p:embeddedFont>
       <p:font typeface="Oswald" panose="00000500000000000000" pitchFamily="2" charset="0"/>
       <p:regular r:id="rId11"/>
+      <p:bold r:id="rId12"/>
     </p:embeddedFont>
   </p:embeddedFontLst>
   <p:defaultTextStyle>
@@ -326,7 +327,7 @@
             <a:fld id="{1D8BD707-D9CF-40AE-B4C6-C98DA3205C09}" type="datetimeFigureOut">
               <a:rPr lang="en-US" smtClean="0"/>
               <a:pPr/>
-              <a:t>4/6/2024</a:t>
+              <a:t>4/7/2024</a:t>
             </a:fld>
             <a:endParaRPr lang="en-US"/>
           </a:p>
@@ -491,7 +492,7 @@
             <a:fld id="{1D8BD707-D9CF-40AE-B4C6-C98DA3205C09}" type="datetimeFigureOut">
               <a:rPr lang="en-US" smtClean="0"/>
               <a:pPr/>
-              <a:t>4/6/2024</a:t>
+              <a:t>4/7/2024</a:t>
             </a:fld>
             <a:endParaRPr lang="en-US"/>
           </a:p>
@@ -666,7 +667,7 @@
             <a:fld id="{1D8BD707-D9CF-40AE-B4C6-C98DA3205C09}" type="datetimeFigureOut">
               <a:rPr lang="en-US" smtClean="0"/>
               <a:pPr/>
-              <a:t>4/6/2024</a:t>
+              <a:t>4/7/2024</a:t>
             </a:fld>
             <a:endParaRPr lang="en-US"/>
           </a:p>
@@ -831,7 +832,7 @@
             <a:fld id="{1D8BD707-D9CF-40AE-B4C6-C98DA3205C09}" type="datetimeFigureOut">
               <a:rPr lang="en-US" smtClean="0"/>
               <a:pPr/>
-              <a:t>4/6/2024</a:t>
+              <a:t>4/7/2024</a:t>
             </a:fld>
             <a:endParaRPr lang="en-US"/>
           </a:p>
@@ -1073,7 +1074,7 @@
             <a:fld id="{1D8BD707-D9CF-40AE-B4C6-C98DA3205C09}" type="datetimeFigureOut">
               <a:rPr lang="en-US" smtClean="0"/>
               <a:pPr/>
-              <a:t>4/6/2024</a:t>
+              <a:t>4/7/2024</a:t>
             </a:fld>
             <a:endParaRPr lang="en-US"/>
           </a:p>
@@ -1355,7 +1356,7 @@
             <a:fld id="{1D8BD707-D9CF-40AE-B4C6-C98DA3205C09}" type="datetimeFigureOut">
               <a:rPr lang="en-US" smtClean="0"/>
               <a:pPr/>
-              <a:t>4/6/2024</a:t>
+              <a:t>4/7/2024</a:t>
             </a:fld>
             <a:endParaRPr lang="en-US"/>
           </a:p>
@@ -1771,7 +1772,7 @@
             <a:fld id="{1D8BD707-D9CF-40AE-B4C6-C98DA3205C09}" type="datetimeFigureOut">
               <a:rPr lang="en-US" smtClean="0"/>
               <a:pPr/>
-              <a:t>4/6/2024</a:t>
+              <a:t>4/7/2024</a:t>
             </a:fld>
             <a:endParaRPr lang="en-US"/>
           </a:p>
@@ -1885,7 +1886,7 @@
             <a:fld id="{1D8BD707-D9CF-40AE-B4C6-C98DA3205C09}" type="datetimeFigureOut">
               <a:rPr lang="en-US" smtClean="0"/>
               <a:pPr/>
-              <a:t>4/6/2024</a:t>
+              <a:t>4/7/2024</a:t>
             </a:fld>
             <a:endParaRPr lang="en-US"/>
           </a:p>
@@ -1977,7 +1978,7 @@
             <a:fld id="{1D8BD707-D9CF-40AE-B4C6-C98DA3205C09}" type="datetimeFigureOut">
               <a:rPr lang="en-US" smtClean="0"/>
               <a:pPr/>
-              <a:t>4/6/2024</a:t>
+              <a:t>4/7/2024</a:t>
             </a:fld>
             <a:endParaRPr lang="en-US"/>
           </a:p>
@@ -2249,7 +2250,7 @@
             <a:fld id="{1D8BD707-D9CF-40AE-B4C6-C98DA3205C09}" type="datetimeFigureOut">
               <a:rPr lang="en-US" smtClean="0"/>
               <a:pPr/>
-              <a:t>4/6/2024</a:t>
+              <a:t>4/7/2024</a:t>
             </a:fld>
             <a:endParaRPr lang="en-US"/>
           </a:p>
@@ -2498,7 +2499,7 @@
             <a:fld id="{1D8BD707-D9CF-40AE-B4C6-C98DA3205C09}" type="datetimeFigureOut">
               <a:rPr lang="en-US" smtClean="0"/>
               <a:pPr/>
-              <a:t>4/6/2024</a:t>
+              <a:t>4/7/2024</a:t>
             </a:fld>
             <a:endParaRPr lang="en-US"/>
           </a:p>
@@ -2706,7 +2707,7 @@
             <a:fld id="{1D8BD707-D9CF-40AE-B4C6-C98DA3205C09}" type="datetimeFigureOut">
               <a:rPr lang="en-US" smtClean="0"/>
               <a:pPr/>
-              <a:t>4/6/2024</a:t>
+              <a:t>4/7/2024</a:t>
             </a:fld>
             <a:endParaRPr lang="en-US"/>
           </a:p>
@@ -4401,10 +4402,10 @@
         </p:nvGrpSpPr>
         <p:grpSpPr>
           <a:xfrm>
-            <a:off x="333898" y="3068957"/>
-            <a:ext cx="6548260" cy="3376634"/>
-            <a:chOff x="0" y="0"/>
-            <a:chExt cx="8731014" cy="4502178"/>
+            <a:off x="333898" y="524091"/>
+            <a:ext cx="6548260" cy="5921500"/>
+            <a:chOff x="0" y="-3393154"/>
+            <a:chExt cx="8731014" cy="7895332"/>
           </a:xfrm>
         </p:grpSpPr>
         <p:sp>
@@ -4415,7 +4416,7 @@
           </p:nvSpPr>
           <p:spPr>
             <a:xfrm>
-              <a:off x="0" y="-2854"/>
+              <a:off x="0" y="-3393154"/>
               <a:ext cx="8731014" cy="1983569"/>
             </a:xfrm>
             <a:prstGeom prst="rect">
@@ -4434,7 +4435,7 @@
                 </a:lnSpc>
               </a:pPr>
               <a:r>
-                <a:rPr lang="en-US" sz="9775">
+                <a:rPr lang="en-US" sz="9775" dirty="0">
                   <a:solidFill>
                     <a:srgbClr val="102B30"/>
                   </a:solidFill>
@@ -4453,8 +4454,8 @@
           </p:nvSpPr>
           <p:spPr>
             <a:xfrm>
-              <a:off x="0" y="2469836"/>
-              <a:ext cx="8731014" cy="737378"/>
+              <a:off x="0" y="-1319653"/>
+              <a:ext cx="8731014" cy="737379"/>
             </a:xfrm>
             <a:prstGeom prst="rect">
               <a:avLst/>
@@ -4522,7 +4523,7 @@
         </p:nvSpPr>
         <p:spPr>
           <a:xfrm>
-            <a:off x="333898" y="6044906"/>
+            <a:off x="335287" y="2765223"/>
             <a:ext cx="6548260" cy="1544320"/>
           </a:xfrm>
           <a:prstGeom prst="rect">
@@ -4546,13 +4547,238 @@
               <a:buChar char="•"/>
             </a:pPr>
             <a:r>
-              <a:rPr lang="en-US" sz="2199">
-                <a:solidFill>
-                  <a:srgbClr val="000000"/>
-                </a:solidFill>
-                <a:latin typeface="Cabin"/>
-              </a:rPr>
-              <a:t>Nhúng mã lệnh JavaScript trực tiếp vào trong mã HTML bằng cách sử dụng thẻ &lt;script&gt;</a:t>
+              <a:rPr lang="en-US" sz="2199" dirty="0" err="1">
+                <a:solidFill>
+                  <a:srgbClr val="000000"/>
+                </a:solidFill>
+                <a:latin typeface="Cabin"/>
+              </a:rPr>
+              <a:t>Nhúng</a:t>
+            </a:r>
+            <a:r>
+              <a:rPr lang="en-US" sz="2199" dirty="0">
+                <a:solidFill>
+                  <a:srgbClr val="000000"/>
+                </a:solidFill>
+                <a:latin typeface="Cabin"/>
+              </a:rPr>
+              <a:t> </a:t>
+            </a:r>
+            <a:r>
+              <a:rPr lang="en-US" sz="2199" dirty="0" err="1">
+                <a:solidFill>
+                  <a:srgbClr val="000000"/>
+                </a:solidFill>
+                <a:latin typeface="Cabin"/>
+              </a:rPr>
+              <a:t>mã</a:t>
+            </a:r>
+            <a:r>
+              <a:rPr lang="en-US" sz="2199" dirty="0">
+                <a:solidFill>
+                  <a:srgbClr val="000000"/>
+                </a:solidFill>
+                <a:latin typeface="Cabin"/>
+              </a:rPr>
+              <a:t> </a:t>
+            </a:r>
+            <a:r>
+              <a:rPr lang="en-US" sz="2199" dirty="0" err="1">
+                <a:solidFill>
+                  <a:srgbClr val="000000"/>
+                </a:solidFill>
+                <a:latin typeface="Cabin"/>
+              </a:rPr>
+              <a:t>lệnh</a:t>
+            </a:r>
+            <a:r>
+              <a:rPr lang="en-US" sz="2199" dirty="0">
+                <a:solidFill>
+                  <a:srgbClr val="000000"/>
+                </a:solidFill>
+                <a:latin typeface="Cabin"/>
+              </a:rPr>
+              <a:t> JavaScript </a:t>
+            </a:r>
+            <a:r>
+              <a:rPr lang="en-US" sz="2199" dirty="0" err="1">
+                <a:solidFill>
+                  <a:srgbClr val="000000"/>
+                </a:solidFill>
+                <a:latin typeface="Cabin"/>
+              </a:rPr>
+              <a:t>trực</a:t>
+            </a:r>
+            <a:r>
+              <a:rPr lang="en-US" sz="2199" dirty="0">
+                <a:solidFill>
+                  <a:srgbClr val="000000"/>
+                </a:solidFill>
+                <a:latin typeface="Cabin"/>
+              </a:rPr>
+              <a:t> </a:t>
+            </a:r>
+            <a:r>
+              <a:rPr lang="en-US" sz="2199" dirty="0" err="1">
+                <a:solidFill>
+                  <a:srgbClr val="000000"/>
+                </a:solidFill>
+                <a:latin typeface="Cabin"/>
+              </a:rPr>
+              <a:t>tiếp</a:t>
+            </a:r>
+            <a:r>
+              <a:rPr lang="en-US" sz="2199" dirty="0">
+                <a:solidFill>
+                  <a:srgbClr val="000000"/>
+                </a:solidFill>
+                <a:latin typeface="Cabin"/>
+              </a:rPr>
+              <a:t> </a:t>
+            </a:r>
+            <a:r>
+              <a:rPr lang="en-US" sz="2199" dirty="0" err="1">
+                <a:solidFill>
+                  <a:srgbClr val="000000"/>
+                </a:solidFill>
+                <a:latin typeface="Cabin"/>
+              </a:rPr>
+              <a:t>vào</a:t>
+            </a:r>
+            <a:r>
+              <a:rPr lang="en-US" sz="2199" dirty="0">
+                <a:solidFill>
+                  <a:srgbClr val="000000"/>
+                </a:solidFill>
+                <a:latin typeface="Cabin"/>
+              </a:rPr>
+              <a:t> </a:t>
+            </a:r>
+            <a:r>
+              <a:rPr lang="en-US" sz="2199" dirty="0" err="1">
+                <a:solidFill>
+                  <a:srgbClr val="000000"/>
+                </a:solidFill>
+                <a:latin typeface="Cabin"/>
+              </a:rPr>
+              <a:t>trong</a:t>
+            </a:r>
+            <a:r>
+              <a:rPr lang="en-US" sz="2199" dirty="0">
+                <a:solidFill>
+                  <a:srgbClr val="000000"/>
+                </a:solidFill>
+                <a:latin typeface="Cabin"/>
+              </a:rPr>
+              <a:t> </a:t>
+            </a:r>
+            <a:r>
+              <a:rPr lang="en-US" sz="2199" dirty="0" err="1">
+                <a:solidFill>
+                  <a:srgbClr val="000000"/>
+                </a:solidFill>
+                <a:latin typeface="Cabin"/>
+              </a:rPr>
+              <a:t>mã</a:t>
+            </a:r>
+            <a:r>
+              <a:rPr lang="en-US" sz="2199" dirty="0">
+                <a:solidFill>
+                  <a:srgbClr val="000000"/>
+                </a:solidFill>
+                <a:latin typeface="Cabin"/>
+              </a:rPr>
+              <a:t> HTML </a:t>
+            </a:r>
+            <a:r>
+              <a:rPr lang="en-US" sz="2199" dirty="0" err="1">
+                <a:solidFill>
+                  <a:srgbClr val="000000"/>
+                </a:solidFill>
+                <a:latin typeface="Cabin"/>
+              </a:rPr>
+              <a:t>bằng</a:t>
+            </a:r>
+            <a:r>
+              <a:rPr lang="en-US" sz="2199" dirty="0">
+                <a:solidFill>
+                  <a:srgbClr val="000000"/>
+                </a:solidFill>
+                <a:latin typeface="Cabin"/>
+              </a:rPr>
+              <a:t> </a:t>
+            </a:r>
+            <a:r>
+              <a:rPr lang="en-US" sz="2199" dirty="0" err="1">
+                <a:solidFill>
+                  <a:srgbClr val="000000"/>
+                </a:solidFill>
+                <a:latin typeface="Cabin"/>
+              </a:rPr>
+              <a:t>cách</a:t>
+            </a:r>
+            <a:r>
+              <a:rPr lang="en-US" sz="2199" dirty="0">
+                <a:solidFill>
+                  <a:srgbClr val="000000"/>
+                </a:solidFill>
+                <a:latin typeface="Cabin"/>
+              </a:rPr>
+              <a:t> </a:t>
+            </a:r>
+            <a:r>
+              <a:rPr lang="en-US" sz="2199" dirty="0" err="1">
+                <a:solidFill>
+                  <a:srgbClr val="000000"/>
+                </a:solidFill>
+                <a:latin typeface="Cabin"/>
+              </a:rPr>
+              <a:t>sử</a:t>
+            </a:r>
+            <a:r>
+              <a:rPr lang="en-US" sz="2199" dirty="0">
+                <a:solidFill>
+                  <a:srgbClr val="000000"/>
+                </a:solidFill>
+                <a:latin typeface="Cabin"/>
+              </a:rPr>
+              <a:t> </a:t>
+            </a:r>
+            <a:r>
+              <a:rPr lang="en-US" sz="2199" dirty="0" err="1">
+                <a:solidFill>
+                  <a:srgbClr val="000000"/>
+                </a:solidFill>
+                <a:latin typeface="Cabin"/>
+              </a:rPr>
+              <a:t>dụng</a:t>
+            </a:r>
+            <a:r>
+              <a:rPr lang="en-US" sz="2199" dirty="0">
+                <a:solidFill>
+                  <a:srgbClr val="000000"/>
+                </a:solidFill>
+                <a:latin typeface="Cabin"/>
+              </a:rPr>
+              <a:t> </a:t>
+            </a:r>
+            <a:r>
+              <a:rPr lang="en-US" sz="2199" dirty="0" err="1">
+                <a:solidFill>
+                  <a:srgbClr val="000000"/>
+                </a:solidFill>
+                <a:latin typeface="Cabin"/>
+              </a:rPr>
+              <a:t>thẻ</a:t>
+            </a:r>
+            <a:r>
+              <a:rPr lang="en-US" sz="2199" dirty="0">
+                <a:solidFill>
+                  <a:srgbClr val="000000"/>
+                </a:solidFill>
+                <a:latin typeface="Cabin"/>
+              </a:rPr>
+              <a:t> &lt;script&gt;</a:t>
             </a:r>
           </a:p>
           <a:p>
@@ -4567,14 +4793,1588 @@
               <a:buChar char="•"/>
             </a:pPr>
             <a:r>
-              <a:rPr lang="en-US" sz="2199">
-                <a:solidFill>
-                  <a:srgbClr val="000000"/>
-                </a:solidFill>
-                <a:latin typeface="Cabin"/>
-              </a:rPr>
-              <a:t>Các nội dung muốn thay đổi chỉnh sửa thiết kế động cho wed thể hiện ngay trong nội dung thẻ script </a:t>
-            </a:r>
+              <a:rPr lang="en-US" sz="2199" dirty="0" err="1">
+                <a:solidFill>
+                  <a:srgbClr val="000000"/>
+                </a:solidFill>
+                <a:latin typeface="Cabin"/>
+              </a:rPr>
+              <a:t>Các</a:t>
+            </a:r>
+            <a:r>
+              <a:rPr lang="en-US" sz="2199" dirty="0">
+                <a:solidFill>
+                  <a:srgbClr val="000000"/>
+                </a:solidFill>
+                <a:latin typeface="Cabin"/>
+              </a:rPr>
+              <a:t> </a:t>
+            </a:r>
+            <a:r>
+              <a:rPr lang="en-US" sz="2199" dirty="0" err="1">
+                <a:solidFill>
+                  <a:srgbClr val="000000"/>
+                </a:solidFill>
+                <a:latin typeface="Cabin"/>
+              </a:rPr>
+              <a:t>nội</a:t>
+            </a:r>
+            <a:r>
+              <a:rPr lang="en-US" sz="2199" dirty="0">
+                <a:solidFill>
+                  <a:srgbClr val="000000"/>
+                </a:solidFill>
+                <a:latin typeface="Cabin"/>
+              </a:rPr>
+              <a:t> dung </a:t>
+            </a:r>
+            <a:r>
+              <a:rPr lang="en-US" sz="2199" dirty="0" err="1">
+                <a:solidFill>
+                  <a:srgbClr val="000000"/>
+                </a:solidFill>
+                <a:latin typeface="Cabin"/>
+              </a:rPr>
+              <a:t>muốn</a:t>
+            </a:r>
+            <a:r>
+              <a:rPr lang="en-US" sz="2199" dirty="0">
+                <a:solidFill>
+                  <a:srgbClr val="000000"/>
+                </a:solidFill>
+                <a:latin typeface="Cabin"/>
+              </a:rPr>
+              <a:t> </a:t>
+            </a:r>
+            <a:r>
+              <a:rPr lang="en-US" sz="2199" dirty="0" err="1">
+                <a:solidFill>
+                  <a:srgbClr val="000000"/>
+                </a:solidFill>
+                <a:latin typeface="Cabin"/>
+              </a:rPr>
+              <a:t>thay</a:t>
+            </a:r>
+            <a:r>
+              <a:rPr lang="en-US" sz="2199" dirty="0">
+                <a:solidFill>
+                  <a:srgbClr val="000000"/>
+                </a:solidFill>
+                <a:latin typeface="Cabin"/>
+              </a:rPr>
+              <a:t> </a:t>
+            </a:r>
+            <a:r>
+              <a:rPr lang="en-US" sz="2199" dirty="0" err="1">
+                <a:solidFill>
+                  <a:srgbClr val="000000"/>
+                </a:solidFill>
+                <a:latin typeface="Cabin"/>
+              </a:rPr>
+              <a:t>đổi</a:t>
+            </a:r>
+            <a:r>
+              <a:rPr lang="en-US" sz="2199" dirty="0">
+                <a:solidFill>
+                  <a:srgbClr val="000000"/>
+                </a:solidFill>
+                <a:latin typeface="Cabin"/>
+              </a:rPr>
+              <a:t> </a:t>
+            </a:r>
+            <a:r>
+              <a:rPr lang="en-US" sz="2199" dirty="0" err="1">
+                <a:solidFill>
+                  <a:srgbClr val="000000"/>
+                </a:solidFill>
+                <a:latin typeface="Cabin"/>
+              </a:rPr>
+              <a:t>chỉnh</a:t>
+            </a:r>
+            <a:r>
+              <a:rPr lang="en-US" sz="2199" dirty="0">
+                <a:solidFill>
+                  <a:srgbClr val="000000"/>
+                </a:solidFill>
+                <a:latin typeface="Cabin"/>
+              </a:rPr>
+              <a:t> </a:t>
+            </a:r>
+            <a:r>
+              <a:rPr lang="en-US" sz="2199" dirty="0" err="1">
+                <a:solidFill>
+                  <a:srgbClr val="000000"/>
+                </a:solidFill>
+                <a:latin typeface="Cabin"/>
+              </a:rPr>
+              <a:t>sửa</a:t>
+            </a:r>
+            <a:r>
+              <a:rPr lang="en-US" sz="2199" dirty="0">
+                <a:solidFill>
+                  <a:srgbClr val="000000"/>
+                </a:solidFill>
+                <a:latin typeface="Cabin"/>
+              </a:rPr>
+              <a:t> </a:t>
+            </a:r>
+            <a:r>
+              <a:rPr lang="en-US" sz="2199" dirty="0" err="1">
+                <a:solidFill>
+                  <a:srgbClr val="000000"/>
+                </a:solidFill>
+                <a:latin typeface="Cabin"/>
+              </a:rPr>
+              <a:t>thiết</a:t>
+            </a:r>
+            <a:r>
+              <a:rPr lang="en-US" sz="2199" dirty="0">
+                <a:solidFill>
+                  <a:srgbClr val="000000"/>
+                </a:solidFill>
+                <a:latin typeface="Cabin"/>
+              </a:rPr>
+              <a:t> </a:t>
+            </a:r>
+            <a:r>
+              <a:rPr lang="en-US" sz="2199" dirty="0" err="1">
+                <a:solidFill>
+                  <a:srgbClr val="000000"/>
+                </a:solidFill>
+                <a:latin typeface="Cabin"/>
+              </a:rPr>
+              <a:t>kế</a:t>
+            </a:r>
+            <a:r>
+              <a:rPr lang="en-US" sz="2199" dirty="0">
+                <a:solidFill>
+                  <a:srgbClr val="000000"/>
+                </a:solidFill>
+                <a:latin typeface="Cabin"/>
+              </a:rPr>
+              <a:t> </a:t>
+            </a:r>
+            <a:r>
+              <a:rPr lang="en-US" sz="2199" dirty="0" err="1">
+                <a:solidFill>
+                  <a:srgbClr val="000000"/>
+                </a:solidFill>
+                <a:latin typeface="Cabin"/>
+              </a:rPr>
+              <a:t>động</a:t>
+            </a:r>
+            <a:r>
+              <a:rPr lang="en-US" sz="2199" dirty="0">
+                <a:solidFill>
+                  <a:srgbClr val="000000"/>
+                </a:solidFill>
+                <a:latin typeface="Cabin"/>
+              </a:rPr>
+              <a:t> </a:t>
+            </a:r>
+            <a:r>
+              <a:rPr lang="en-US" sz="2199" dirty="0" err="1">
+                <a:solidFill>
+                  <a:srgbClr val="000000"/>
+                </a:solidFill>
+                <a:latin typeface="Cabin"/>
+              </a:rPr>
+              <a:t>cho</a:t>
+            </a:r>
+            <a:r>
+              <a:rPr lang="en-US" sz="2199" dirty="0">
+                <a:solidFill>
+                  <a:srgbClr val="000000"/>
+                </a:solidFill>
+                <a:latin typeface="Cabin"/>
+              </a:rPr>
+              <a:t> wed </a:t>
+            </a:r>
+            <a:r>
+              <a:rPr lang="en-US" sz="2199" dirty="0" err="1">
+                <a:solidFill>
+                  <a:srgbClr val="000000"/>
+                </a:solidFill>
+                <a:latin typeface="Cabin"/>
+              </a:rPr>
+              <a:t>thể</a:t>
+            </a:r>
+            <a:r>
+              <a:rPr lang="en-US" sz="2199" dirty="0">
+                <a:solidFill>
+                  <a:srgbClr val="000000"/>
+                </a:solidFill>
+                <a:latin typeface="Cabin"/>
+              </a:rPr>
+              <a:t> </a:t>
+            </a:r>
+            <a:r>
+              <a:rPr lang="en-US" sz="2199" dirty="0" err="1">
+                <a:solidFill>
+                  <a:srgbClr val="000000"/>
+                </a:solidFill>
+                <a:latin typeface="Cabin"/>
+              </a:rPr>
+              <a:t>hiện</a:t>
+            </a:r>
+            <a:r>
+              <a:rPr lang="en-US" sz="2199" dirty="0">
+                <a:solidFill>
+                  <a:srgbClr val="000000"/>
+                </a:solidFill>
+                <a:latin typeface="Cabin"/>
+              </a:rPr>
+              <a:t> </a:t>
+            </a:r>
+            <a:r>
+              <a:rPr lang="en-US" sz="2199" dirty="0" err="1">
+                <a:solidFill>
+                  <a:srgbClr val="000000"/>
+                </a:solidFill>
+                <a:latin typeface="Cabin"/>
+              </a:rPr>
+              <a:t>ngay</a:t>
+            </a:r>
+            <a:r>
+              <a:rPr lang="en-US" sz="2199" dirty="0">
+                <a:solidFill>
+                  <a:srgbClr val="000000"/>
+                </a:solidFill>
+                <a:latin typeface="Cabin"/>
+              </a:rPr>
+              <a:t> </a:t>
+            </a:r>
+            <a:r>
+              <a:rPr lang="en-US" sz="2199" dirty="0" err="1">
+                <a:solidFill>
+                  <a:srgbClr val="000000"/>
+                </a:solidFill>
+                <a:latin typeface="Cabin"/>
+              </a:rPr>
+              <a:t>trong</a:t>
+            </a:r>
+            <a:r>
+              <a:rPr lang="en-US" sz="2199" dirty="0">
+                <a:solidFill>
+                  <a:srgbClr val="000000"/>
+                </a:solidFill>
+                <a:latin typeface="Cabin"/>
+              </a:rPr>
+              <a:t> </a:t>
+            </a:r>
+            <a:r>
+              <a:rPr lang="en-US" sz="2199" dirty="0" err="1">
+                <a:solidFill>
+                  <a:srgbClr val="000000"/>
+                </a:solidFill>
+                <a:latin typeface="Cabin"/>
+              </a:rPr>
+              <a:t>nội</a:t>
+            </a:r>
+            <a:r>
+              <a:rPr lang="en-US" sz="2199" dirty="0">
+                <a:solidFill>
+                  <a:srgbClr val="000000"/>
+                </a:solidFill>
+                <a:latin typeface="Cabin"/>
+              </a:rPr>
+              <a:t> dung </a:t>
+            </a:r>
+            <a:r>
+              <a:rPr lang="en-US" sz="2199" dirty="0" err="1">
+                <a:solidFill>
+                  <a:srgbClr val="000000"/>
+                </a:solidFill>
+                <a:latin typeface="Cabin"/>
+              </a:rPr>
+              <a:t>thẻ</a:t>
+            </a:r>
+            <a:r>
+              <a:rPr lang="en-US" sz="2199" dirty="0">
+                <a:solidFill>
+                  <a:srgbClr val="000000"/>
+                </a:solidFill>
+                <a:latin typeface="Cabin"/>
+              </a:rPr>
+              <a:t> script </a:t>
+            </a:r>
+          </a:p>
+        </p:txBody>
+      </p:sp>
+      <p:sp>
+        <p:nvSpPr>
+          <p:cNvPr id="10" name="TextBox 9">
+            <a:extLst>
+              <a:ext uri="{FF2B5EF4-FFF2-40B4-BE49-F238E27FC236}">
+                <a16:creationId xmlns:a16="http://schemas.microsoft.com/office/drawing/2014/main" id="{56411629-4E1B-FC54-256D-FC882879EB87}"/>
+              </a:ext>
+            </a:extLst>
+          </p:cNvPr>
+          <p:cNvSpPr txBox="1"/>
+          <p:nvPr/>
+        </p:nvSpPr>
+        <p:spPr>
+          <a:xfrm>
+            <a:off x="392967" y="4497558"/>
+            <a:ext cx="6828902" cy="1560427"/>
+          </a:xfrm>
+          <a:prstGeom prst="rect">
+            <a:avLst/>
+          </a:prstGeom>
+        </p:spPr>
+        <p:txBody>
+          <a:bodyPr wrap="square" lIns="0" tIns="0" rIns="0" bIns="0" rtlCol="0" anchor="t">
+            <a:spAutoFit/>
+          </a:bodyPr>
+          <a:lstStyle/>
+          <a:p>
+            <a:pPr marL="474979" lvl="1" indent="-237490">
+              <a:lnSpc>
+                <a:spcPts val="3079"/>
+              </a:lnSpc>
+              <a:spcBef>
+                <a:spcPct val="0"/>
+              </a:spcBef>
+              <a:buFont typeface="Arial"/>
+              <a:buChar char="•"/>
+            </a:pPr>
+            <a:r>
+              <a:rPr lang="en-US" sz="2199" dirty="0" err="1">
+                <a:solidFill>
+                  <a:srgbClr val="000000"/>
+                </a:solidFill>
+                <a:latin typeface="Cabin"/>
+              </a:rPr>
+              <a:t>Ưu</a:t>
+            </a:r>
+            <a:r>
+              <a:rPr lang="en-US" sz="2199" dirty="0">
+                <a:solidFill>
+                  <a:srgbClr val="000000"/>
+                </a:solidFill>
+                <a:latin typeface="Cabin"/>
+              </a:rPr>
+              <a:t> </a:t>
+            </a:r>
+            <a:r>
+              <a:rPr lang="en-US" sz="2199" dirty="0" err="1">
+                <a:solidFill>
+                  <a:srgbClr val="000000"/>
+                </a:solidFill>
+                <a:latin typeface="Cabin"/>
+              </a:rPr>
+              <a:t>điểm</a:t>
+            </a:r>
+            <a:r>
+              <a:rPr lang="en-US" sz="2199" dirty="0">
+                <a:solidFill>
+                  <a:srgbClr val="000000"/>
+                </a:solidFill>
+                <a:latin typeface="Cabin"/>
+              </a:rPr>
+              <a:t> : </a:t>
+            </a:r>
+          </a:p>
+          <a:p>
+            <a:pPr marL="237489" lvl="1">
+              <a:lnSpc>
+                <a:spcPts val="3079"/>
+              </a:lnSpc>
+              <a:spcBef>
+                <a:spcPct val="0"/>
+              </a:spcBef>
+            </a:pPr>
+            <a:r>
+              <a:rPr lang="en-US" sz="2199" dirty="0">
+                <a:solidFill>
+                  <a:srgbClr val="000000"/>
+                </a:solidFill>
+                <a:latin typeface="Cabin"/>
+              </a:rPr>
+              <a:t> - </a:t>
+            </a:r>
+            <a:r>
+              <a:rPr lang="en-US" sz="2199" dirty="0" err="1">
+                <a:solidFill>
+                  <a:srgbClr val="000000"/>
+                </a:solidFill>
+                <a:latin typeface="Cabin"/>
+              </a:rPr>
+              <a:t>dễ</a:t>
+            </a:r>
+            <a:r>
+              <a:rPr lang="en-US" sz="2199" dirty="0">
+                <a:solidFill>
+                  <a:srgbClr val="000000"/>
+                </a:solidFill>
+                <a:latin typeface="Cabin"/>
+              </a:rPr>
+              <a:t> </a:t>
+            </a:r>
+            <a:r>
+              <a:rPr lang="en-US" sz="2199" dirty="0" err="1">
+                <a:solidFill>
+                  <a:srgbClr val="000000"/>
+                </a:solidFill>
+                <a:latin typeface="Cabin"/>
+              </a:rPr>
+              <a:t>dàng</a:t>
+            </a:r>
+            <a:r>
+              <a:rPr lang="en-US" sz="2199" dirty="0">
+                <a:solidFill>
+                  <a:srgbClr val="000000"/>
+                </a:solidFill>
+                <a:latin typeface="Cabin"/>
+              </a:rPr>
+              <a:t> </a:t>
+            </a:r>
+            <a:r>
+              <a:rPr lang="en-US" sz="2199" dirty="0" err="1">
+                <a:solidFill>
+                  <a:srgbClr val="000000"/>
+                </a:solidFill>
+                <a:latin typeface="Cabin"/>
+              </a:rPr>
+              <a:t>triển</a:t>
+            </a:r>
+            <a:r>
+              <a:rPr lang="en-US" sz="2199" dirty="0">
+                <a:solidFill>
+                  <a:srgbClr val="000000"/>
+                </a:solidFill>
+                <a:latin typeface="Cabin"/>
+              </a:rPr>
+              <a:t> </a:t>
+            </a:r>
+            <a:r>
+              <a:rPr lang="en-US" sz="2199" dirty="0" err="1">
+                <a:solidFill>
+                  <a:srgbClr val="000000"/>
+                </a:solidFill>
+                <a:latin typeface="Cabin"/>
+              </a:rPr>
+              <a:t>khai</a:t>
+            </a:r>
+            <a:r>
+              <a:rPr lang="en-US" sz="2199" dirty="0">
+                <a:solidFill>
+                  <a:srgbClr val="000000"/>
+                </a:solidFill>
+                <a:latin typeface="Cabin"/>
+              </a:rPr>
+              <a:t> </a:t>
+            </a:r>
+            <a:r>
+              <a:rPr lang="en-US" sz="2199" dirty="0" err="1">
+                <a:solidFill>
+                  <a:srgbClr val="000000"/>
+                </a:solidFill>
+                <a:latin typeface="Cabin"/>
+              </a:rPr>
+              <a:t>và</a:t>
+            </a:r>
+            <a:r>
+              <a:rPr lang="en-US" sz="2199" dirty="0">
+                <a:solidFill>
+                  <a:srgbClr val="000000"/>
+                </a:solidFill>
+                <a:latin typeface="Cabin"/>
+              </a:rPr>
+              <a:t> </a:t>
+            </a:r>
+            <a:r>
+              <a:rPr lang="en-US" sz="2199" dirty="0" err="1">
+                <a:solidFill>
+                  <a:srgbClr val="000000"/>
+                </a:solidFill>
+                <a:latin typeface="Cabin"/>
+              </a:rPr>
+              <a:t>kiểm</a:t>
+            </a:r>
+            <a:r>
+              <a:rPr lang="en-US" sz="2199" dirty="0">
+                <a:solidFill>
+                  <a:srgbClr val="000000"/>
+                </a:solidFill>
+                <a:latin typeface="Cabin"/>
+              </a:rPr>
+              <a:t> </a:t>
+            </a:r>
+            <a:r>
+              <a:rPr lang="en-US" sz="2199" dirty="0" err="1">
+                <a:solidFill>
+                  <a:srgbClr val="000000"/>
+                </a:solidFill>
+                <a:latin typeface="Cabin"/>
+              </a:rPr>
+              <a:t>soát</a:t>
+            </a:r>
+            <a:r>
+              <a:rPr lang="en-US" sz="2199" dirty="0">
+                <a:solidFill>
+                  <a:srgbClr val="000000"/>
+                </a:solidFill>
+                <a:latin typeface="Cabin"/>
+              </a:rPr>
+              <a:t> </a:t>
+            </a:r>
+            <a:r>
+              <a:rPr lang="en-US" sz="2199" dirty="0" err="1">
+                <a:solidFill>
+                  <a:srgbClr val="000000"/>
+                </a:solidFill>
+                <a:latin typeface="Cabin"/>
+              </a:rPr>
+              <a:t>với</a:t>
+            </a:r>
+            <a:r>
+              <a:rPr lang="en-US" sz="2199" dirty="0">
+                <a:solidFill>
+                  <a:srgbClr val="000000"/>
+                </a:solidFill>
+                <a:latin typeface="Cabin"/>
+              </a:rPr>
+              <a:t> </a:t>
+            </a:r>
+            <a:r>
+              <a:rPr lang="en-US" sz="2199" dirty="0" err="1">
+                <a:solidFill>
+                  <a:srgbClr val="000000"/>
+                </a:solidFill>
+                <a:latin typeface="Cabin"/>
+              </a:rPr>
+              <a:t>các</a:t>
+            </a:r>
+            <a:r>
+              <a:rPr lang="en-US" sz="2199" dirty="0">
+                <a:solidFill>
+                  <a:srgbClr val="000000"/>
+                </a:solidFill>
+                <a:latin typeface="Cabin"/>
+              </a:rPr>
+              <a:t> </a:t>
+            </a:r>
+            <a:r>
+              <a:rPr lang="en-US" sz="2199" dirty="0" err="1">
+                <a:solidFill>
+                  <a:srgbClr val="000000"/>
+                </a:solidFill>
+                <a:latin typeface="Cabin"/>
+              </a:rPr>
+              <a:t>dự</a:t>
+            </a:r>
+            <a:r>
+              <a:rPr lang="en-US" sz="2199" dirty="0">
+                <a:solidFill>
+                  <a:srgbClr val="000000"/>
+                </a:solidFill>
+                <a:latin typeface="Cabin"/>
+              </a:rPr>
+              <a:t> </a:t>
+            </a:r>
+            <a:r>
+              <a:rPr lang="en-US" sz="2199" dirty="0" err="1">
+                <a:solidFill>
+                  <a:srgbClr val="000000"/>
+                </a:solidFill>
+                <a:latin typeface="Cabin"/>
+              </a:rPr>
+              <a:t>án</a:t>
+            </a:r>
+            <a:r>
+              <a:rPr lang="en-US" sz="2199" dirty="0">
+                <a:solidFill>
+                  <a:srgbClr val="000000"/>
+                </a:solidFill>
+                <a:latin typeface="Cabin"/>
+              </a:rPr>
+              <a:t> </a:t>
+            </a:r>
+            <a:r>
+              <a:rPr lang="en-US" sz="2199" dirty="0" err="1">
+                <a:solidFill>
+                  <a:srgbClr val="000000"/>
+                </a:solidFill>
+                <a:latin typeface="Cabin"/>
+              </a:rPr>
+              <a:t>nhỏ</a:t>
+            </a:r>
+            <a:r>
+              <a:rPr lang="en-US" sz="2199" dirty="0">
+                <a:solidFill>
+                  <a:srgbClr val="000000"/>
+                </a:solidFill>
+                <a:latin typeface="Cabin"/>
+              </a:rPr>
+              <a:t> </a:t>
+            </a:r>
+            <a:r>
+              <a:rPr lang="en-US" sz="2199" dirty="0" err="1">
+                <a:solidFill>
+                  <a:srgbClr val="000000"/>
+                </a:solidFill>
+                <a:latin typeface="Cabin"/>
+              </a:rPr>
+              <a:t>vì</a:t>
+            </a:r>
+            <a:r>
+              <a:rPr lang="en-US" sz="2199" dirty="0">
+                <a:solidFill>
+                  <a:srgbClr val="000000"/>
+                </a:solidFill>
+                <a:latin typeface="Cabin"/>
+              </a:rPr>
+              <a:t> </a:t>
+            </a:r>
+            <a:r>
+              <a:rPr lang="en-US" sz="2199" dirty="0" err="1">
+                <a:solidFill>
+                  <a:srgbClr val="000000"/>
+                </a:solidFill>
+                <a:latin typeface="Cabin"/>
+              </a:rPr>
+              <a:t>lượng</a:t>
+            </a:r>
+            <a:r>
+              <a:rPr lang="en-US" sz="2199" dirty="0">
+                <a:solidFill>
+                  <a:srgbClr val="000000"/>
+                </a:solidFill>
+                <a:latin typeface="Cabin"/>
+              </a:rPr>
+              <a:t> code </a:t>
+            </a:r>
+            <a:r>
+              <a:rPr lang="en-US" sz="2199" dirty="0" err="1">
+                <a:solidFill>
+                  <a:srgbClr val="000000"/>
+                </a:solidFill>
+                <a:latin typeface="Cabin"/>
+              </a:rPr>
+              <a:t>không</a:t>
+            </a:r>
+            <a:r>
+              <a:rPr lang="en-US" sz="2199" dirty="0">
+                <a:solidFill>
+                  <a:srgbClr val="000000"/>
+                </a:solidFill>
+                <a:latin typeface="Cabin"/>
+              </a:rPr>
+              <a:t> </a:t>
+            </a:r>
+            <a:r>
+              <a:rPr lang="en-US" sz="2199" dirty="0" err="1">
+                <a:solidFill>
+                  <a:srgbClr val="000000"/>
+                </a:solidFill>
+                <a:latin typeface="Cabin"/>
+              </a:rPr>
+              <a:t>nhiều</a:t>
+            </a:r>
+            <a:r>
+              <a:rPr lang="en-US" sz="2199" dirty="0">
+                <a:solidFill>
+                  <a:srgbClr val="000000"/>
+                </a:solidFill>
+                <a:latin typeface="Cabin"/>
+              </a:rPr>
+              <a:t> </a:t>
+            </a:r>
+          </a:p>
+          <a:p>
+            <a:pPr marL="237489" lvl="1">
+              <a:lnSpc>
+                <a:spcPts val="3079"/>
+              </a:lnSpc>
+              <a:spcBef>
+                <a:spcPct val="0"/>
+              </a:spcBef>
+            </a:pPr>
+            <a:r>
+              <a:rPr lang="en-US" sz="2199" dirty="0">
+                <a:solidFill>
+                  <a:srgbClr val="000000"/>
+                </a:solidFill>
+                <a:latin typeface="Cabin"/>
+              </a:rPr>
+              <a:t> - </a:t>
+            </a:r>
+            <a:r>
+              <a:rPr lang="en-US" sz="2199" dirty="0" err="1">
+                <a:solidFill>
+                  <a:srgbClr val="000000"/>
+                </a:solidFill>
+                <a:latin typeface="Cabin"/>
+              </a:rPr>
+              <a:t>Tiết</a:t>
+            </a:r>
+            <a:r>
+              <a:rPr lang="en-US" sz="2199" dirty="0">
+                <a:solidFill>
+                  <a:srgbClr val="000000"/>
+                </a:solidFill>
+                <a:latin typeface="Cabin"/>
+              </a:rPr>
+              <a:t> </a:t>
+            </a:r>
+            <a:r>
+              <a:rPr lang="en-US" sz="2199" dirty="0" err="1">
+                <a:solidFill>
+                  <a:srgbClr val="000000"/>
+                </a:solidFill>
+                <a:latin typeface="Cabin"/>
+              </a:rPr>
+              <a:t>kiệm</a:t>
+            </a:r>
+            <a:r>
+              <a:rPr lang="en-US" sz="2199" dirty="0">
+                <a:solidFill>
+                  <a:srgbClr val="000000"/>
+                </a:solidFill>
+                <a:latin typeface="Cabin"/>
+              </a:rPr>
+              <a:t> </a:t>
+            </a:r>
+            <a:r>
+              <a:rPr lang="en-US" sz="2199" dirty="0" err="1">
+                <a:solidFill>
+                  <a:srgbClr val="000000"/>
+                </a:solidFill>
+                <a:latin typeface="Cabin"/>
+              </a:rPr>
+              <a:t>thời</a:t>
+            </a:r>
+            <a:r>
+              <a:rPr lang="en-US" sz="2199" dirty="0">
+                <a:solidFill>
+                  <a:srgbClr val="000000"/>
+                </a:solidFill>
+                <a:latin typeface="Cabin"/>
+              </a:rPr>
+              <a:t> </a:t>
+            </a:r>
+            <a:r>
+              <a:rPr lang="en-US" sz="2199" dirty="0" err="1">
+                <a:solidFill>
+                  <a:srgbClr val="000000"/>
+                </a:solidFill>
+                <a:latin typeface="Cabin"/>
+              </a:rPr>
+              <a:t>gian</a:t>
+            </a:r>
+            <a:r>
+              <a:rPr lang="en-US" sz="2199" dirty="0">
+                <a:solidFill>
+                  <a:srgbClr val="000000"/>
+                </a:solidFill>
+                <a:latin typeface="Cabin"/>
+              </a:rPr>
+              <a:t> </a:t>
+            </a:r>
+            <a:r>
+              <a:rPr lang="en-US" sz="2199" dirty="0" err="1">
+                <a:solidFill>
+                  <a:srgbClr val="000000"/>
+                </a:solidFill>
+                <a:latin typeface="Cabin"/>
+              </a:rPr>
+              <a:t>tạo</a:t>
+            </a:r>
+            <a:r>
+              <a:rPr lang="en-US" sz="2199" dirty="0">
+                <a:solidFill>
+                  <a:srgbClr val="000000"/>
+                </a:solidFill>
+                <a:latin typeface="Cabin"/>
+              </a:rPr>
+              <a:t> </a:t>
+            </a:r>
+            <a:r>
+              <a:rPr lang="en-US" sz="2199" dirty="0" err="1">
+                <a:solidFill>
+                  <a:srgbClr val="000000"/>
+                </a:solidFill>
+                <a:latin typeface="Cabin"/>
+              </a:rPr>
+              <a:t>tệp</a:t>
+            </a:r>
+            <a:r>
+              <a:rPr lang="en-US" sz="2199" dirty="0">
+                <a:solidFill>
+                  <a:srgbClr val="000000"/>
+                </a:solidFill>
+                <a:latin typeface="Cabin"/>
+              </a:rPr>
+              <a:t> tin </a:t>
+            </a:r>
+            <a:r>
+              <a:rPr lang="en-US" sz="2199" dirty="0" err="1">
+                <a:solidFill>
+                  <a:srgbClr val="000000"/>
+                </a:solidFill>
+                <a:latin typeface="Cabin"/>
+              </a:rPr>
+              <a:t>mới</a:t>
+            </a:r>
+            <a:endParaRPr lang="en-US" sz="2199" dirty="0">
+              <a:solidFill>
+                <a:srgbClr val="000000"/>
+              </a:solidFill>
+              <a:latin typeface="Cabin"/>
+            </a:endParaRPr>
+          </a:p>
+        </p:txBody>
+      </p:sp>
+      <p:sp>
+        <p:nvSpPr>
+          <p:cNvPr id="11" name="TextBox 10">
+            <a:extLst>
+              <a:ext uri="{FF2B5EF4-FFF2-40B4-BE49-F238E27FC236}">
+                <a16:creationId xmlns:a16="http://schemas.microsoft.com/office/drawing/2014/main" id="{E7B32838-0AFA-5C84-CD7B-A76B70DB35DD}"/>
+              </a:ext>
+            </a:extLst>
+          </p:cNvPr>
+          <p:cNvSpPr txBox="1"/>
+          <p:nvPr/>
+        </p:nvSpPr>
+        <p:spPr>
+          <a:xfrm>
+            <a:off x="450876" y="6240781"/>
+            <a:ext cx="6828902" cy="1161793"/>
+          </a:xfrm>
+          <a:prstGeom prst="rect">
+            <a:avLst/>
+          </a:prstGeom>
+        </p:spPr>
+        <p:txBody>
+          <a:bodyPr wrap="square" lIns="0" tIns="0" rIns="0" bIns="0" rtlCol="0" anchor="t">
+            <a:spAutoFit/>
+          </a:bodyPr>
+          <a:lstStyle/>
+          <a:p>
+            <a:pPr marL="474979" lvl="1" indent="-237490">
+              <a:lnSpc>
+                <a:spcPts val="3079"/>
+              </a:lnSpc>
+              <a:spcBef>
+                <a:spcPct val="0"/>
+              </a:spcBef>
+              <a:buFont typeface="Arial"/>
+              <a:buChar char="•"/>
+            </a:pPr>
+            <a:r>
+              <a:rPr lang="en-US" sz="2199" dirty="0" err="1">
+                <a:solidFill>
+                  <a:srgbClr val="000000"/>
+                </a:solidFill>
+                <a:latin typeface="Cabin"/>
+              </a:rPr>
+              <a:t>Nhược</a:t>
+            </a:r>
+            <a:r>
+              <a:rPr lang="en-US" sz="2199" dirty="0">
+                <a:solidFill>
+                  <a:srgbClr val="000000"/>
+                </a:solidFill>
+                <a:latin typeface="Cabin"/>
+              </a:rPr>
+              <a:t> </a:t>
+            </a:r>
+            <a:r>
+              <a:rPr lang="en-US" sz="2199" dirty="0" err="1">
+                <a:solidFill>
+                  <a:srgbClr val="000000"/>
+                </a:solidFill>
+                <a:latin typeface="Cabin"/>
+              </a:rPr>
+              <a:t>điểm</a:t>
+            </a:r>
+            <a:r>
+              <a:rPr lang="en-US" sz="2199" dirty="0">
+                <a:solidFill>
+                  <a:srgbClr val="000000"/>
+                </a:solidFill>
+                <a:latin typeface="Cabin"/>
+              </a:rPr>
+              <a:t> : </a:t>
+            </a:r>
+          </a:p>
+          <a:p>
+            <a:pPr marL="237489" lvl="1">
+              <a:lnSpc>
+                <a:spcPts val="3079"/>
+              </a:lnSpc>
+              <a:spcBef>
+                <a:spcPct val="0"/>
+              </a:spcBef>
+            </a:pPr>
+            <a:r>
+              <a:rPr lang="en-US" sz="2199" dirty="0">
+                <a:solidFill>
+                  <a:srgbClr val="000000"/>
+                </a:solidFill>
+                <a:latin typeface="Cabin"/>
+              </a:rPr>
+              <a:t>-   </a:t>
+            </a:r>
+            <a:r>
+              <a:rPr lang="en-US" sz="2199" dirty="0" err="1">
+                <a:solidFill>
+                  <a:srgbClr val="000000"/>
+                </a:solidFill>
+                <a:latin typeface="Cabin"/>
+              </a:rPr>
+              <a:t>Khó</a:t>
+            </a:r>
+            <a:r>
+              <a:rPr lang="en-US" sz="2199" dirty="0">
+                <a:solidFill>
+                  <a:srgbClr val="000000"/>
+                </a:solidFill>
+                <a:latin typeface="Cabin"/>
+              </a:rPr>
+              <a:t> </a:t>
+            </a:r>
+            <a:r>
+              <a:rPr lang="en-US" sz="2199" dirty="0" err="1">
+                <a:solidFill>
+                  <a:srgbClr val="000000"/>
+                </a:solidFill>
+                <a:latin typeface="Cabin"/>
+              </a:rPr>
+              <a:t>quản</a:t>
+            </a:r>
+            <a:r>
+              <a:rPr lang="en-US" sz="2199" dirty="0">
+                <a:solidFill>
+                  <a:srgbClr val="000000"/>
+                </a:solidFill>
+                <a:latin typeface="Cabin"/>
+              </a:rPr>
+              <a:t> </a:t>
+            </a:r>
+            <a:r>
+              <a:rPr lang="en-US" sz="2199" dirty="0" err="1">
+                <a:solidFill>
+                  <a:srgbClr val="000000"/>
+                </a:solidFill>
+                <a:latin typeface="Cabin"/>
+              </a:rPr>
+              <a:t>lí</a:t>
+            </a:r>
+            <a:r>
+              <a:rPr lang="en-US" sz="2199" dirty="0">
+                <a:solidFill>
+                  <a:srgbClr val="000000"/>
+                </a:solidFill>
+                <a:latin typeface="Cabin"/>
+              </a:rPr>
+              <a:t> </a:t>
+            </a:r>
+            <a:r>
+              <a:rPr lang="en-US" sz="2199" dirty="0" err="1">
+                <a:solidFill>
+                  <a:srgbClr val="000000"/>
+                </a:solidFill>
+                <a:latin typeface="Cabin"/>
+              </a:rPr>
+              <a:t>mã</a:t>
+            </a:r>
+            <a:r>
+              <a:rPr lang="en-US" sz="2199" dirty="0">
+                <a:solidFill>
+                  <a:srgbClr val="000000"/>
+                </a:solidFill>
+                <a:latin typeface="Cabin"/>
+              </a:rPr>
+              <a:t> : </a:t>
+            </a:r>
+            <a:r>
+              <a:rPr lang="en-US" sz="2199" dirty="0" err="1">
+                <a:solidFill>
+                  <a:srgbClr val="000000"/>
+                </a:solidFill>
+                <a:latin typeface="Cabin"/>
+              </a:rPr>
+              <a:t>dự</a:t>
+            </a:r>
+            <a:r>
+              <a:rPr lang="en-US" sz="2199" dirty="0">
+                <a:solidFill>
+                  <a:srgbClr val="000000"/>
+                </a:solidFill>
+                <a:latin typeface="Cabin"/>
+              </a:rPr>
+              <a:t> </a:t>
+            </a:r>
+            <a:r>
+              <a:rPr lang="en-US" sz="2199" dirty="0" err="1">
+                <a:solidFill>
+                  <a:srgbClr val="000000"/>
+                </a:solidFill>
+                <a:latin typeface="Cabin"/>
+              </a:rPr>
+              <a:t>án</a:t>
+            </a:r>
+            <a:r>
+              <a:rPr lang="en-US" sz="2199" dirty="0">
+                <a:solidFill>
+                  <a:srgbClr val="000000"/>
+                </a:solidFill>
+                <a:latin typeface="Cabin"/>
+              </a:rPr>
+              <a:t> </a:t>
+            </a:r>
+            <a:r>
+              <a:rPr lang="en-US" sz="2199" dirty="0" err="1">
+                <a:solidFill>
+                  <a:srgbClr val="000000"/>
+                </a:solidFill>
+                <a:latin typeface="Cabin"/>
+              </a:rPr>
+              <a:t>lớn</a:t>
+            </a:r>
+            <a:r>
+              <a:rPr lang="en-US" sz="2199" dirty="0">
+                <a:solidFill>
+                  <a:srgbClr val="000000"/>
+                </a:solidFill>
+                <a:latin typeface="Cabin"/>
+              </a:rPr>
+              <a:t> </a:t>
+            </a:r>
+            <a:r>
+              <a:rPr lang="en-US" sz="2199" dirty="0" err="1">
+                <a:solidFill>
+                  <a:srgbClr val="000000"/>
+                </a:solidFill>
+                <a:latin typeface="Cabin"/>
+              </a:rPr>
+              <a:t>sẽ</a:t>
+            </a:r>
+            <a:r>
+              <a:rPr lang="en-US" sz="2199" dirty="0">
+                <a:solidFill>
+                  <a:srgbClr val="000000"/>
+                </a:solidFill>
+                <a:latin typeface="Cabin"/>
+              </a:rPr>
+              <a:t> </a:t>
+            </a:r>
+            <a:r>
+              <a:rPr lang="en-US" sz="2199" dirty="0" err="1">
+                <a:solidFill>
+                  <a:srgbClr val="000000"/>
+                </a:solidFill>
+                <a:latin typeface="Cabin"/>
+              </a:rPr>
+              <a:t>khó</a:t>
+            </a:r>
+            <a:r>
+              <a:rPr lang="en-US" sz="2199" dirty="0">
+                <a:solidFill>
+                  <a:srgbClr val="000000"/>
+                </a:solidFill>
+                <a:latin typeface="Cabin"/>
+              </a:rPr>
+              <a:t> </a:t>
+            </a:r>
+            <a:r>
+              <a:rPr lang="en-US" sz="2199" dirty="0" err="1">
+                <a:solidFill>
+                  <a:srgbClr val="000000"/>
+                </a:solidFill>
+                <a:latin typeface="Cabin"/>
+              </a:rPr>
+              <a:t>tìm</a:t>
+            </a:r>
+            <a:endParaRPr lang="en-US" sz="2199" dirty="0">
+              <a:solidFill>
+                <a:srgbClr val="000000"/>
+              </a:solidFill>
+              <a:latin typeface="Cabin"/>
+            </a:endParaRPr>
+          </a:p>
+          <a:p>
+            <a:pPr marL="237489" lvl="1">
+              <a:lnSpc>
+                <a:spcPts val="3079"/>
+              </a:lnSpc>
+              <a:spcBef>
+                <a:spcPct val="0"/>
+              </a:spcBef>
+            </a:pPr>
+            <a:r>
+              <a:rPr lang="en-US" sz="2199" dirty="0">
+                <a:solidFill>
+                  <a:srgbClr val="000000"/>
+                </a:solidFill>
+                <a:latin typeface="Cabin"/>
+                <a:sym typeface="Wingdings" panose="05000000000000000000" pitchFamily="2" charset="2"/>
+              </a:rPr>
+              <a:t> </a:t>
+            </a:r>
+            <a:r>
+              <a:rPr lang="en-US" sz="2199" dirty="0" err="1">
+                <a:solidFill>
+                  <a:srgbClr val="000000"/>
+                </a:solidFill>
+                <a:latin typeface="Cabin"/>
+                <a:sym typeface="Wingdings" panose="05000000000000000000" pitchFamily="2" charset="2"/>
+              </a:rPr>
+              <a:t>Hiệu</a:t>
+            </a:r>
+            <a:r>
+              <a:rPr lang="en-US" sz="2199" dirty="0">
+                <a:solidFill>
+                  <a:srgbClr val="000000"/>
+                </a:solidFill>
+                <a:latin typeface="Cabin"/>
+                <a:sym typeface="Wingdings" panose="05000000000000000000" pitchFamily="2" charset="2"/>
+              </a:rPr>
+              <a:t> </a:t>
+            </a:r>
+            <a:r>
+              <a:rPr lang="en-US" sz="2199" dirty="0" err="1">
+                <a:solidFill>
+                  <a:srgbClr val="000000"/>
+                </a:solidFill>
+                <a:latin typeface="Cabin"/>
+                <a:sym typeface="Wingdings" panose="05000000000000000000" pitchFamily="2" charset="2"/>
+              </a:rPr>
+              <a:t>xuất</a:t>
+            </a:r>
+            <a:r>
+              <a:rPr lang="en-US" sz="2199" dirty="0">
+                <a:solidFill>
+                  <a:srgbClr val="000000"/>
+                </a:solidFill>
+                <a:latin typeface="Cabin"/>
+                <a:sym typeface="Wingdings" panose="05000000000000000000" pitchFamily="2" charset="2"/>
+              </a:rPr>
+              <a:t> </a:t>
+            </a:r>
+            <a:r>
+              <a:rPr lang="en-US" sz="2199" dirty="0" err="1">
+                <a:solidFill>
+                  <a:srgbClr val="000000"/>
+                </a:solidFill>
+                <a:latin typeface="Cabin"/>
+                <a:sym typeface="Wingdings" panose="05000000000000000000" pitchFamily="2" charset="2"/>
+              </a:rPr>
+              <a:t>tải</a:t>
+            </a:r>
+            <a:r>
+              <a:rPr lang="en-US" sz="2199" dirty="0">
+                <a:solidFill>
+                  <a:srgbClr val="000000"/>
+                </a:solidFill>
+                <a:latin typeface="Cabin"/>
+                <a:sym typeface="Wingdings" panose="05000000000000000000" pitchFamily="2" charset="2"/>
+              </a:rPr>
+              <a:t> </a:t>
+            </a:r>
+            <a:r>
+              <a:rPr lang="en-US" sz="2199" dirty="0" err="1">
+                <a:solidFill>
+                  <a:srgbClr val="000000"/>
+                </a:solidFill>
+                <a:latin typeface="Cabin"/>
+                <a:sym typeface="Wingdings" panose="05000000000000000000" pitchFamily="2" charset="2"/>
+              </a:rPr>
+              <a:t>trang</a:t>
+            </a:r>
+            <a:r>
+              <a:rPr lang="en-US" sz="2199" dirty="0">
+                <a:solidFill>
+                  <a:srgbClr val="000000"/>
+                </a:solidFill>
+                <a:latin typeface="Cabin"/>
+                <a:sym typeface="Wingdings" panose="05000000000000000000" pitchFamily="2" charset="2"/>
+              </a:rPr>
+              <a:t> </a:t>
+            </a:r>
+            <a:r>
+              <a:rPr lang="en-US" sz="2199" dirty="0" err="1">
+                <a:solidFill>
+                  <a:srgbClr val="000000"/>
+                </a:solidFill>
+                <a:latin typeface="Cabin"/>
+                <a:sym typeface="Wingdings" panose="05000000000000000000" pitchFamily="2" charset="2"/>
+              </a:rPr>
+              <a:t>và</a:t>
+            </a:r>
+            <a:r>
+              <a:rPr lang="en-US" sz="2199" dirty="0">
+                <a:solidFill>
+                  <a:srgbClr val="000000"/>
+                </a:solidFill>
+                <a:latin typeface="Cabin"/>
+                <a:sym typeface="Wingdings" panose="05000000000000000000" pitchFamily="2" charset="2"/>
+              </a:rPr>
+              <a:t> </a:t>
+            </a:r>
+            <a:r>
+              <a:rPr lang="en-US" sz="2199" dirty="0" err="1">
+                <a:solidFill>
+                  <a:srgbClr val="000000"/>
+                </a:solidFill>
+                <a:latin typeface="Cabin"/>
+                <a:sym typeface="Wingdings" panose="05000000000000000000" pitchFamily="2" charset="2"/>
+              </a:rPr>
+              <a:t>xử</a:t>
+            </a:r>
+            <a:r>
+              <a:rPr lang="en-US" sz="2199" dirty="0">
+                <a:solidFill>
+                  <a:srgbClr val="000000"/>
+                </a:solidFill>
+                <a:latin typeface="Cabin"/>
+                <a:sym typeface="Wingdings" panose="05000000000000000000" pitchFamily="2" charset="2"/>
+              </a:rPr>
+              <a:t> </a:t>
+            </a:r>
+            <a:r>
+              <a:rPr lang="en-US" sz="2199" dirty="0" err="1">
+                <a:solidFill>
+                  <a:srgbClr val="000000"/>
+                </a:solidFill>
+                <a:latin typeface="Cabin"/>
+                <a:sym typeface="Wingdings" panose="05000000000000000000" pitchFamily="2" charset="2"/>
+              </a:rPr>
+              <a:t>lí</a:t>
+            </a:r>
+            <a:r>
+              <a:rPr lang="en-US" sz="2199" dirty="0">
+                <a:solidFill>
+                  <a:srgbClr val="000000"/>
+                </a:solidFill>
+                <a:latin typeface="Cabin"/>
+                <a:sym typeface="Wingdings" panose="05000000000000000000" pitchFamily="2" charset="2"/>
+              </a:rPr>
+              <a:t> </a:t>
+            </a:r>
+            <a:r>
+              <a:rPr lang="en-US" sz="2199" dirty="0" err="1">
+                <a:solidFill>
+                  <a:srgbClr val="000000"/>
+                </a:solidFill>
+                <a:latin typeface="Cabin"/>
+                <a:sym typeface="Wingdings" panose="05000000000000000000" pitchFamily="2" charset="2"/>
+              </a:rPr>
+              <a:t>kém</a:t>
+            </a:r>
+            <a:r>
+              <a:rPr lang="en-US" sz="2199" dirty="0">
+                <a:solidFill>
+                  <a:srgbClr val="000000"/>
+                </a:solidFill>
+                <a:latin typeface="Cabin"/>
+                <a:sym typeface="Wingdings" panose="05000000000000000000" pitchFamily="2" charset="2"/>
+              </a:rPr>
+              <a:t> </a:t>
+            </a:r>
+            <a:endParaRPr lang="en-US" sz="2199" dirty="0">
+              <a:solidFill>
+                <a:srgbClr val="000000"/>
+              </a:solidFill>
+              <a:latin typeface="Cabin"/>
+            </a:endParaRPr>
+          </a:p>
+        </p:txBody>
+      </p:sp>
+      <p:sp>
+        <p:nvSpPr>
+          <p:cNvPr id="12" name="TextBox 11">
+            <a:extLst>
+              <a:ext uri="{FF2B5EF4-FFF2-40B4-BE49-F238E27FC236}">
+                <a16:creationId xmlns:a16="http://schemas.microsoft.com/office/drawing/2014/main" id="{D87D3E21-34AE-6843-6094-2C043AACC57B}"/>
+              </a:ext>
+            </a:extLst>
+          </p:cNvPr>
+          <p:cNvSpPr txBox="1"/>
+          <p:nvPr/>
+        </p:nvSpPr>
+        <p:spPr>
+          <a:xfrm>
+            <a:off x="549542" y="7917181"/>
+            <a:ext cx="6828902" cy="764248"/>
+          </a:xfrm>
+          <a:prstGeom prst="rect">
+            <a:avLst/>
+          </a:prstGeom>
+        </p:spPr>
+        <p:txBody>
+          <a:bodyPr wrap="square" lIns="0" tIns="0" rIns="0" bIns="0" rtlCol="0" anchor="t">
+            <a:spAutoFit/>
+          </a:bodyPr>
+          <a:lstStyle/>
+          <a:p>
+            <a:pPr marL="474979" lvl="1" indent="-237490">
+              <a:lnSpc>
+                <a:spcPts val="3079"/>
+              </a:lnSpc>
+              <a:spcBef>
+                <a:spcPct val="0"/>
+              </a:spcBef>
+              <a:buFont typeface="Arial"/>
+              <a:buChar char="•"/>
+            </a:pPr>
+            <a:r>
+              <a:rPr lang="en-US" sz="2199" dirty="0" err="1">
+                <a:solidFill>
+                  <a:srgbClr val="000000"/>
+                </a:solidFill>
+                <a:latin typeface="Cabin"/>
+              </a:rPr>
+              <a:t>Lưu</a:t>
+            </a:r>
+            <a:r>
+              <a:rPr lang="en-US" sz="2199" dirty="0">
+                <a:solidFill>
+                  <a:srgbClr val="000000"/>
+                </a:solidFill>
+                <a:latin typeface="Cabin"/>
+              </a:rPr>
+              <a:t> ý :  </a:t>
+            </a:r>
+            <a:r>
+              <a:rPr lang="en-US" sz="2199" dirty="0" err="1">
+                <a:solidFill>
+                  <a:srgbClr val="000000"/>
+                </a:solidFill>
+                <a:latin typeface="Cabin"/>
+              </a:rPr>
+              <a:t>nên</a:t>
+            </a:r>
+            <a:r>
+              <a:rPr lang="en-US" sz="2199" dirty="0">
+                <a:solidFill>
+                  <a:srgbClr val="000000"/>
+                </a:solidFill>
+                <a:latin typeface="Cabin"/>
+              </a:rPr>
+              <a:t> </a:t>
+            </a:r>
+            <a:r>
+              <a:rPr lang="en-US" sz="2199" dirty="0" err="1">
+                <a:solidFill>
+                  <a:srgbClr val="000000"/>
+                </a:solidFill>
+                <a:latin typeface="Cabin"/>
+              </a:rPr>
+              <a:t>viết</a:t>
+            </a:r>
+            <a:r>
+              <a:rPr lang="en-US" sz="2199" dirty="0">
+                <a:solidFill>
+                  <a:srgbClr val="000000"/>
+                </a:solidFill>
+                <a:latin typeface="Cabin"/>
+              </a:rPr>
+              <a:t> </a:t>
+            </a:r>
+            <a:r>
+              <a:rPr lang="en-US" sz="2199" dirty="0" err="1">
+                <a:solidFill>
+                  <a:srgbClr val="000000"/>
+                </a:solidFill>
+                <a:latin typeface="Cabin"/>
+              </a:rPr>
+              <a:t>các</a:t>
+            </a:r>
+            <a:r>
+              <a:rPr lang="en-US" sz="2199" dirty="0">
+                <a:solidFill>
+                  <a:srgbClr val="000000"/>
+                </a:solidFill>
+                <a:latin typeface="Cabin"/>
+              </a:rPr>
+              <a:t> </a:t>
+            </a:r>
+            <a:r>
+              <a:rPr lang="en-US" sz="2199" dirty="0" err="1">
+                <a:solidFill>
+                  <a:srgbClr val="000000"/>
+                </a:solidFill>
+                <a:latin typeface="Cabin"/>
+              </a:rPr>
+              <a:t>thẻ</a:t>
+            </a:r>
+            <a:r>
+              <a:rPr lang="en-US" sz="2199" dirty="0">
+                <a:solidFill>
+                  <a:srgbClr val="000000"/>
+                </a:solidFill>
+                <a:latin typeface="Cabin"/>
+              </a:rPr>
+              <a:t> script ở </a:t>
+            </a:r>
+            <a:r>
+              <a:rPr lang="en-US" sz="2199" dirty="0" err="1">
+                <a:solidFill>
+                  <a:srgbClr val="000000"/>
+                </a:solidFill>
+                <a:latin typeface="Cabin"/>
+              </a:rPr>
+              <a:t>cuối</a:t>
+            </a:r>
+            <a:r>
+              <a:rPr lang="en-US" sz="2199" dirty="0">
+                <a:solidFill>
+                  <a:srgbClr val="000000"/>
+                </a:solidFill>
+                <a:latin typeface="Cabin"/>
+              </a:rPr>
+              <a:t> &lt;body&gt;</a:t>
+            </a:r>
+          </a:p>
+          <a:p>
+            <a:pPr marL="237489" lvl="1">
+              <a:lnSpc>
+                <a:spcPts val="3079"/>
+              </a:lnSpc>
+              <a:spcBef>
+                <a:spcPct val="0"/>
+              </a:spcBef>
+            </a:pPr>
+            <a:r>
+              <a:rPr lang="en-US" sz="2199" dirty="0">
+                <a:solidFill>
+                  <a:srgbClr val="000000"/>
+                </a:solidFill>
+                <a:latin typeface="Cabin"/>
+                <a:sym typeface="Wingdings" panose="05000000000000000000" pitchFamily="2" charset="2"/>
+              </a:rPr>
+              <a:t> </a:t>
+            </a:r>
+            <a:r>
+              <a:rPr lang="en-US" sz="2199" dirty="0" err="1">
+                <a:solidFill>
+                  <a:srgbClr val="000000"/>
+                </a:solidFill>
+                <a:latin typeface="Cabin"/>
+                <a:sym typeface="Wingdings" panose="05000000000000000000" pitchFamily="2" charset="2"/>
+              </a:rPr>
+              <a:t>Tăng</a:t>
+            </a:r>
+            <a:r>
+              <a:rPr lang="en-US" sz="2199" dirty="0">
+                <a:solidFill>
+                  <a:srgbClr val="000000"/>
+                </a:solidFill>
+                <a:latin typeface="Cabin"/>
+                <a:sym typeface="Wingdings" panose="05000000000000000000" pitchFamily="2" charset="2"/>
+              </a:rPr>
+              <a:t> </a:t>
+            </a:r>
+            <a:r>
+              <a:rPr lang="en-US" sz="2199" dirty="0" err="1">
+                <a:solidFill>
+                  <a:srgbClr val="000000"/>
+                </a:solidFill>
+                <a:latin typeface="Cabin"/>
+                <a:sym typeface="Wingdings" panose="05000000000000000000" pitchFamily="2" charset="2"/>
+              </a:rPr>
+              <a:t>tốc</a:t>
+            </a:r>
+            <a:r>
+              <a:rPr lang="en-US" sz="2199" dirty="0">
+                <a:solidFill>
+                  <a:srgbClr val="000000"/>
+                </a:solidFill>
+                <a:latin typeface="Cabin"/>
+                <a:sym typeface="Wingdings" panose="05000000000000000000" pitchFamily="2" charset="2"/>
+              </a:rPr>
+              <a:t> </a:t>
+            </a:r>
+            <a:r>
+              <a:rPr lang="en-US" sz="2199" dirty="0" err="1">
+                <a:solidFill>
+                  <a:srgbClr val="000000"/>
+                </a:solidFill>
+                <a:latin typeface="Cabin"/>
+                <a:sym typeface="Wingdings" panose="05000000000000000000" pitchFamily="2" charset="2"/>
+              </a:rPr>
+              <a:t>độ</a:t>
+            </a:r>
+            <a:r>
+              <a:rPr lang="en-US" sz="2199" dirty="0">
+                <a:solidFill>
+                  <a:srgbClr val="000000"/>
+                </a:solidFill>
+                <a:latin typeface="Cabin"/>
+                <a:sym typeface="Wingdings" panose="05000000000000000000" pitchFamily="2" charset="2"/>
+              </a:rPr>
+              <a:t> </a:t>
+            </a:r>
+            <a:r>
+              <a:rPr lang="en-US" sz="2199" dirty="0" err="1">
+                <a:solidFill>
+                  <a:srgbClr val="000000"/>
+                </a:solidFill>
+                <a:latin typeface="Cabin"/>
+                <a:sym typeface="Wingdings" panose="05000000000000000000" pitchFamily="2" charset="2"/>
+              </a:rPr>
+              <a:t>hiển</a:t>
+            </a:r>
+            <a:r>
+              <a:rPr lang="en-US" sz="2199" dirty="0">
+                <a:solidFill>
+                  <a:srgbClr val="000000"/>
+                </a:solidFill>
+                <a:latin typeface="Cabin"/>
+                <a:sym typeface="Wingdings" panose="05000000000000000000" pitchFamily="2" charset="2"/>
+              </a:rPr>
+              <a:t> </a:t>
+            </a:r>
+            <a:r>
+              <a:rPr lang="en-US" sz="2199" dirty="0" err="1">
+                <a:solidFill>
+                  <a:srgbClr val="000000"/>
+                </a:solidFill>
+                <a:latin typeface="Cabin"/>
+                <a:sym typeface="Wingdings" panose="05000000000000000000" pitchFamily="2" charset="2"/>
+              </a:rPr>
+              <a:t>thị</a:t>
+            </a:r>
+            <a:r>
+              <a:rPr lang="en-US" sz="2199" dirty="0">
+                <a:solidFill>
+                  <a:srgbClr val="000000"/>
+                </a:solidFill>
+                <a:latin typeface="Cabin"/>
+                <a:sym typeface="Wingdings" panose="05000000000000000000" pitchFamily="2" charset="2"/>
+              </a:rPr>
+              <a:t> </a:t>
+            </a:r>
+            <a:r>
+              <a:rPr lang="en-US" sz="2199" dirty="0" err="1">
+                <a:solidFill>
+                  <a:srgbClr val="000000"/>
+                </a:solidFill>
+                <a:latin typeface="Cabin"/>
+                <a:sym typeface="Wingdings" panose="05000000000000000000" pitchFamily="2" charset="2"/>
+              </a:rPr>
+              <a:t>trang</a:t>
+            </a:r>
+            <a:r>
+              <a:rPr lang="en-US" sz="2199" dirty="0">
+                <a:solidFill>
+                  <a:srgbClr val="000000"/>
+                </a:solidFill>
+                <a:latin typeface="Cabin"/>
+                <a:sym typeface="Wingdings" panose="05000000000000000000" pitchFamily="2" charset="2"/>
+              </a:rPr>
+              <a:t> wed </a:t>
+            </a:r>
+            <a:endParaRPr lang="en-US" sz="2199" dirty="0">
+              <a:solidFill>
+                <a:srgbClr val="000000"/>
+              </a:solidFill>
+              <a:latin typeface="Cabin"/>
+            </a:endParaRPr>
           </a:p>
         </p:txBody>
       </p:sp>
@@ -4611,7 +6411,7 @@
         </p:nvSpPr>
         <p:spPr>
           <a:xfrm>
-            <a:off x="7813473" y="0"/>
+            <a:off x="8534400" y="12700"/>
             <a:ext cx="9613362" cy="5385197"/>
           </a:xfrm>
           <a:custGeom>
@@ -4657,8 +6457,8 @@
         </p:nvSpPr>
         <p:spPr>
           <a:xfrm>
-            <a:off x="6952309" y="5557430"/>
-            <a:ext cx="11335691" cy="3873103"/>
+            <a:off x="8534400" y="5600700"/>
+            <a:ext cx="9613362" cy="3873103"/>
           </a:xfrm>
           <a:custGeom>
             <a:avLst/>
@@ -4703,10 +6503,10 @@
         </p:nvGrpSpPr>
         <p:grpSpPr>
           <a:xfrm>
-            <a:off x="647049" y="222455"/>
-            <a:ext cx="6548260" cy="3965283"/>
-            <a:chOff x="0" y="0"/>
-            <a:chExt cx="8731014" cy="5287043"/>
+            <a:off x="647049" y="220314"/>
+            <a:ext cx="6548260" cy="3941013"/>
+            <a:chOff x="0" y="-2854"/>
+            <a:chExt cx="8731014" cy="5254684"/>
           </a:xfrm>
         </p:grpSpPr>
         <p:sp>
@@ -4740,7 +6540,7 @@
                   <a:solidFill>
                     <a:srgbClr val="102B30"/>
                   </a:solidFill>
-                  <a:latin typeface="Oswald"/>
+                  <a:latin typeface="Cabin" panose="020B0604020202020204" charset="0"/>
                 </a:rPr>
                 <a:t>CÁCH 2</a:t>
               </a:r>
@@ -4755,8 +6555,8 @@
           </p:nvSpPr>
           <p:spPr>
             <a:xfrm>
-              <a:off x="0" y="2469836"/>
-              <a:ext cx="8731014" cy="1522244"/>
+              <a:off x="0" y="1980714"/>
+              <a:ext cx="8731014" cy="1548629"/>
             </a:xfrm>
             <a:prstGeom prst="rect">
               <a:avLst/>
@@ -4774,13 +6574,94 @@
                 </a:lnSpc>
               </a:pPr>
               <a:r>
-                <a:rPr lang="en-US" sz="3370">
+                <a:rPr lang="en-US" sz="3370" dirty="0" err="1">
                   <a:solidFill>
                     <a:srgbClr val="FF7C64"/>
                   </a:solidFill>
-                  <a:latin typeface="Muli Semi-Bold"/>
+                  <a:latin typeface="Cabin" panose="020B0604020202020204" charset="0"/>
                 </a:rPr>
-                <a:t>Viết mã lệnh JavaScript vào tập tin JavaScript</a:t>
+                <a:t>Viết</a:t>
+              </a:r>
+              <a:r>
+                <a:rPr lang="en-US" sz="3370" dirty="0">
+                  <a:solidFill>
+                    <a:srgbClr val="FF7C64"/>
+                  </a:solidFill>
+                  <a:latin typeface="Cabin" panose="020B0604020202020204" charset="0"/>
+                </a:rPr>
+                <a:t> </a:t>
+              </a:r>
+              <a:r>
+                <a:rPr lang="en-US" sz="3370" dirty="0" err="1">
+                  <a:solidFill>
+                    <a:srgbClr val="FF7C64"/>
+                  </a:solidFill>
+                  <a:latin typeface="Cabin" panose="020B0604020202020204" charset="0"/>
+                </a:rPr>
+                <a:t>mã</a:t>
+              </a:r>
+              <a:r>
+                <a:rPr lang="en-US" sz="3370" dirty="0">
+                  <a:solidFill>
+                    <a:srgbClr val="FF7C64"/>
+                  </a:solidFill>
+                  <a:latin typeface="Cabin" panose="020B0604020202020204" charset="0"/>
+                </a:rPr>
+                <a:t> </a:t>
+              </a:r>
+              <a:r>
+                <a:rPr lang="en-US" sz="3370" dirty="0" err="1">
+                  <a:solidFill>
+                    <a:srgbClr val="FF7C64"/>
+                  </a:solidFill>
+                  <a:latin typeface="Cabin" panose="020B0604020202020204" charset="0"/>
+                </a:rPr>
+                <a:t>lệnh</a:t>
+              </a:r>
+              <a:r>
+                <a:rPr lang="en-US" sz="3370" dirty="0">
+                  <a:solidFill>
+                    <a:srgbClr val="FF7C64"/>
+                  </a:solidFill>
+                  <a:latin typeface="Cabin" panose="020B0604020202020204" charset="0"/>
+                </a:rPr>
+                <a:t> JavaScript </a:t>
+              </a:r>
+              <a:r>
+                <a:rPr lang="en-US" sz="3370" dirty="0" err="1">
+                  <a:solidFill>
+                    <a:srgbClr val="FF7C64"/>
+                  </a:solidFill>
+                  <a:latin typeface="Cabin" panose="020B0604020202020204" charset="0"/>
+                </a:rPr>
+                <a:t>vào</a:t>
+              </a:r>
+              <a:r>
+                <a:rPr lang="en-US" sz="3370" dirty="0">
+                  <a:solidFill>
+                    <a:srgbClr val="FF7C64"/>
+                  </a:solidFill>
+                  <a:latin typeface="Cabin" panose="020B0604020202020204" charset="0"/>
+                </a:rPr>
+                <a:t> </a:t>
+              </a:r>
+              <a:r>
+                <a:rPr lang="en-US" sz="3370" dirty="0" err="1">
+                  <a:solidFill>
+                    <a:srgbClr val="FF7C64"/>
+                  </a:solidFill>
+                  <a:latin typeface="Cabin" panose="020B0604020202020204" charset="0"/>
+                </a:rPr>
+                <a:t>tập</a:t>
+              </a:r>
+              <a:r>
+                <a:rPr lang="en-US" sz="3370" dirty="0">
+                  <a:solidFill>
+                    <a:srgbClr val="FF7C64"/>
+                  </a:solidFill>
+                  <a:latin typeface="Cabin" panose="020B0604020202020204" charset="0"/>
+                </a:rPr>
+                <a:t> tin JavaScript</a:t>
               </a:r>
             </a:p>
           </p:txBody>
@@ -4794,7 +6675,7 @@
           <p:spPr>
             <a:xfrm>
               <a:off x="0" y="4662865"/>
-              <a:ext cx="8731014" cy="624179"/>
+              <a:ext cx="8731014" cy="588965"/>
             </a:xfrm>
             <a:prstGeom prst="rect">
               <a:avLst/>
@@ -4811,7 +6692,9 @@
                   <a:spcPts val="4045"/>
                 </a:lnSpc>
               </a:pPr>
-              <a:endParaRPr/>
+              <a:endParaRPr>
+                <a:latin typeface="Cabin" panose="020B0604020202020204" charset="0"/>
+              </a:endParaRPr>
             </a:p>
           </p:txBody>
         </p:sp>
@@ -4824,15 +6707,15 @@
         </p:nvSpPr>
         <p:spPr>
           <a:xfrm>
-            <a:off x="490474" y="3787052"/>
-            <a:ext cx="6861411" cy="763270"/>
+            <a:off x="490474" y="3148674"/>
+            <a:ext cx="7586726" cy="763270"/>
           </a:xfrm>
           <a:prstGeom prst="rect">
             <a:avLst/>
           </a:prstGeom>
         </p:spPr>
         <p:txBody>
-          <a:bodyPr lIns="0" tIns="0" rIns="0" bIns="0" rtlCol="0" anchor="t">
+          <a:bodyPr wrap="square" lIns="0" tIns="0" rIns="0" bIns="0" rtlCol="0" anchor="t">
             <a:spAutoFit/>
           </a:bodyPr>
           <a:lstStyle/>
@@ -4845,13 +6728,166 @@
               <a:buChar char="•"/>
             </a:pPr>
             <a:r>
-              <a:rPr lang="en-US" sz="2199">
-                <a:solidFill>
-                  <a:srgbClr val="000000"/>
-                </a:solidFill>
-                <a:latin typeface="Cabin"/>
-              </a:rPr>
-              <a:t>Tạo thêm file JavaScript để chứa tất cả các lệnh của JS</a:t>
+              <a:rPr lang="en-US" sz="2199" dirty="0" err="1">
+                <a:solidFill>
+                  <a:srgbClr val="000000"/>
+                </a:solidFill>
+                <a:latin typeface="Cabin" panose="020B0604020202020204" charset="0"/>
+              </a:rPr>
+              <a:t>Tạo</a:t>
+            </a:r>
+            <a:r>
+              <a:rPr lang="en-US" sz="2199" dirty="0">
+                <a:solidFill>
+                  <a:srgbClr val="000000"/>
+                </a:solidFill>
+                <a:latin typeface="Cabin" panose="020B0604020202020204" charset="0"/>
+              </a:rPr>
+              <a:t> </a:t>
+            </a:r>
+            <a:r>
+              <a:rPr lang="en-US" sz="2199" dirty="0" err="1">
+                <a:solidFill>
+                  <a:srgbClr val="000000"/>
+                </a:solidFill>
+                <a:latin typeface="Cabin" panose="020B0604020202020204" charset="0"/>
+              </a:rPr>
+              <a:t>thêm</a:t>
+            </a:r>
+            <a:r>
+              <a:rPr lang="en-US" sz="2199" dirty="0">
+                <a:solidFill>
+                  <a:srgbClr val="000000"/>
+                </a:solidFill>
+                <a:latin typeface="Cabin" panose="020B0604020202020204" charset="0"/>
+              </a:rPr>
+              <a:t> file JavaScript </a:t>
+            </a:r>
+            <a:r>
+              <a:rPr lang="en-US" sz="2199" dirty="0" err="1">
+                <a:solidFill>
+                  <a:srgbClr val="000000"/>
+                </a:solidFill>
+                <a:latin typeface="Cabin" panose="020B0604020202020204" charset="0"/>
+              </a:rPr>
+              <a:t>để</a:t>
+            </a:r>
+            <a:r>
+              <a:rPr lang="en-US" sz="2199" dirty="0">
+                <a:solidFill>
+                  <a:srgbClr val="000000"/>
+                </a:solidFill>
+                <a:latin typeface="Cabin" panose="020B0604020202020204" charset="0"/>
+              </a:rPr>
+              <a:t> </a:t>
+            </a:r>
+            <a:r>
+              <a:rPr lang="en-US" sz="2199" dirty="0" err="1">
+                <a:solidFill>
+                  <a:srgbClr val="000000"/>
+                </a:solidFill>
+                <a:latin typeface="Cabin" panose="020B0604020202020204" charset="0"/>
+              </a:rPr>
+              <a:t>chứa</a:t>
+            </a:r>
+            <a:r>
+              <a:rPr lang="en-US" sz="2199" dirty="0">
+                <a:solidFill>
+                  <a:srgbClr val="000000"/>
+                </a:solidFill>
+                <a:latin typeface="Cabin" panose="020B0604020202020204" charset="0"/>
+              </a:rPr>
+              <a:t> </a:t>
+            </a:r>
+            <a:r>
+              <a:rPr lang="en-US" sz="2199" dirty="0" err="1">
+                <a:solidFill>
+                  <a:srgbClr val="000000"/>
+                </a:solidFill>
+                <a:latin typeface="Cabin" panose="020B0604020202020204" charset="0"/>
+              </a:rPr>
+              <a:t>tất</a:t>
+            </a:r>
+            <a:r>
+              <a:rPr lang="en-US" sz="2199" dirty="0">
+                <a:solidFill>
+                  <a:srgbClr val="000000"/>
+                </a:solidFill>
+                <a:latin typeface="Cabin" panose="020B0604020202020204" charset="0"/>
+              </a:rPr>
+              <a:t> </a:t>
+            </a:r>
+            <a:r>
+              <a:rPr lang="en-US" sz="2199" dirty="0" err="1">
+                <a:solidFill>
+                  <a:srgbClr val="000000"/>
+                </a:solidFill>
+                <a:latin typeface="Cabin" panose="020B0604020202020204" charset="0"/>
+              </a:rPr>
+              <a:t>cả</a:t>
+            </a:r>
+            <a:r>
+              <a:rPr lang="en-US" sz="2199" dirty="0">
+                <a:solidFill>
+                  <a:srgbClr val="000000"/>
+                </a:solidFill>
+                <a:latin typeface="Cabin" panose="020B0604020202020204" charset="0"/>
+              </a:rPr>
+              <a:t> </a:t>
+            </a:r>
+            <a:r>
+              <a:rPr lang="en-US" sz="2199" dirty="0" err="1">
+                <a:solidFill>
+                  <a:srgbClr val="000000"/>
+                </a:solidFill>
+                <a:latin typeface="Cabin" panose="020B0604020202020204" charset="0"/>
+              </a:rPr>
+              <a:t>các</a:t>
+            </a:r>
+            <a:r>
+              <a:rPr lang="en-US" sz="2199" dirty="0">
+                <a:solidFill>
+                  <a:srgbClr val="000000"/>
+                </a:solidFill>
+                <a:latin typeface="Cabin" panose="020B0604020202020204" charset="0"/>
+              </a:rPr>
+              <a:t> </a:t>
+            </a:r>
+            <a:r>
+              <a:rPr lang="en-US" sz="2199" dirty="0" err="1">
+                <a:solidFill>
+                  <a:srgbClr val="000000"/>
+                </a:solidFill>
+                <a:latin typeface="Cabin" panose="020B0604020202020204" charset="0"/>
+              </a:rPr>
+              <a:t>lệnh</a:t>
+            </a:r>
+            <a:r>
+              <a:rPr lang="en-US" sz="2199" dirty="0">
+                <a:solidFill>
+                  <a:srgbClr val="000000"/>
+                </a:solidFill>
+                <a:latin typeface="Cabin" panose="020B0604020202020204" charset="0"/>
+              </a:rPr>
+              <a:t> </a:t>
+            </a:r>
+            <a:r>
+              <a:rPr lang="en-US" sz="2199" dirty="0" err="1">
+                <a:solidFill>
+                  <a:srgbClr val="000000"/>
+                </a:solidFill>
+                <a:latin typeface="Cabin" panose="020B0604020202020204" charset="0"/>
+              </a:rPr>
+              <a:t>của</a:t>
+            </a:r>
+            <a:r>
+              <a:rPr lang="en-US" sz="2199" dirty="0">
+                <a:solidFill>
+                  <a:srgbClr val="000000"/>
+                </a:solidFill>
+                <a:latin typeface="Cabin" panose="020B0604020202020204" charset="0"/>
+              </a:rPr>
+              <a:t> JS</a:t>
             </a:r>
           </a:p>
           <a:p>
@@ -4866,14 +6902,1416 @@
               <a:buChar char="•"/>
             </a:pPr>
             <a:r>
-              <a:rPr lang="en-US" sz="2199">
-                <a:solidFill>
-                  <a:srgbClr val="000000"/>
-                </a:solidFill>
-                <a:latin typeface="Cabin"/>
-              </a:rPr>
-              <a:t>Nhúng file JS thông qua thẻ &lt;script src=”tên file js”&gt;</a:t>
-            </a:r>
+              <a:rPr lang="en-US" sz="2199" dirty="0" err="1">
+                <a:solidFill>
+                  <a:srgbClr val="000000"/>
+                </a:solidFill>
+                <a:latin typeface="Cabin" panose="020B0604020202020204" charset="0"/>
+              </a:rPr>
+              <a:t>Nhúng</a:t>
+            </a:r>
+            <a:r>
+              <a:rPr lang="en-US" sz="2199" dirty="0">
+                <a:solidFill>
+                  <a:srgbClr val="000000"/>
+                </a:solidFill>
+                <a:latin typeface="Cabin" panose="020B0604020202020204" charset="0"/>
+              </a:rPr>
+              <a:t> file JS </a:t>
+            </a:r>
+            <a:r>
+              <a:rPr lang="en-US" sz="2199" dirty="0" err="1">
+                <a:solidFill>
+                  <a:srgbClr val="000000"/>
+                </a:solidFill>
+                <a:latin typeface="Cabin" panose="020B0604020202020204" charset="0"/>
+              </a:rPr>
+              <a:t>thông</a:t>
+            </a:r>
+            <a:r>
+              <a:rPr lang="en-US" sz="2199" dirty="0">
+                <a:solidFill>
+                  <a:srgbClr val="000000"/>
+                </a:solidFill>
+                <a:latin typeface="Cabin" panose="020B0604020202020204" charset="0"/>
+              </a:rPr>
+              <a:t> qua </a:t>
+            </a:r>
+            <a:r>
+              <a:rPr lang="en-US" sz="2199" dirty="0" err="1">
+                <a:solidFill>
+                  <a:srgbClr val="000000"/>
+                </a:solidFill>
+                <a:latin typeface="Cabin" panose="020B0604020202020204" charset="0"/>
+              </a:rPr>
+              <a:t>thẻ</a:t>
+            </a:r>
+            <a:r>
+              <a:rPr lang="en-US" sz="2199" dirty="0">
+                <a:solidFill>
+                  <a:srgbClr val="000000"/>
+                </a:solidFill>
+                <a:latin typeface="Cabin" panose="020B0604020202020204" charset="0"/>
+              </a:rPr>
+              <a:t> &lt;script </a:t>
+            </a:r>
+            <a:r>
+              <a:rPr lang="en-US" sz="2199" dirty="0" err="1">
+                <a:solidFill>
+                  <a:srgbClr val="000000"/>
+                </a:solidFill>
+                <a:latin typeface="Cabin" panose="020B0604020202020204" charset="0"/>
+              </a:rPr>
+              <a:t>src</a:t>
+            </a:r>
+            <a:r>
+              <a:rPr lang="en-US" sz="2199" dirty="0">
+                <a:solidFill>
+                  <a:srgbClr val="000000"/>
+                </a:solidFill>
+                <a:latin typeface="Cabin" panose="020B0604020202020204" charset="0"/>
+              </a:rPr>
+              <a:t>=”</a:t>
+            </a:r>
+            <a:r>
+              <a:rPr lang="en-US" sz="2199" dirty="0" err="1">
+                <a:solidFill>
+                  <a:srgbClr val="000000"/>
+                </a:solidFill>
+                <a:latin typeface="Cabin" panose="020B0604020202020204" charset="0"/>
+              </a:rPr>
+              <a:t>tên</a:t>
+            </a:r>
+            <a:r>
+              <a:rPr lang="en-US" sz="2199" dirty="0">
+                <a:solidFill>
+                  <a:srgbClr val="000000"/>
+                </a:solidFill>
+                <a:latin typeface="Cabin" panose="020B0604020202020204" charset="0"/>
+              </a:rPr>
+              <a:t> file </a:t>
+            </a:r>
+            <a:r>
+              <a:rPr lang="en-US" sz="2199" dirty="0" err="1">
+                <a:solidFill>
+                  <a:srgbClr val="000000"/>
+                </a:solidFill>
+                <a:latin typeface="Cabin" panose="020B0604020202020204" charset="0"/>
+              </a:rPr>
+              <a:t>js</a:t>
+            </a:r>
+            <a:r>
+              <a:rPr lang="en-US" sz="2199" dirty="0">
+                <a:solidFill>
+                  <a:srgbClr val="000000"/>
+                </a:solidFill>
+                <a:latin typeface="Cabin" panose="020B0604020202020204" charset="0"/>
+              </a:rPr>
+              <a:t>”&gt;</a:t>
+            </a:r>
+          </a:p>
+        </p:txBody>
+      </p:sp>
+      <p:sp>
+        <p:nvSpPr>
+          <p:cNvPr id="9" name="TextBox 8">
+            <a:extLst>
+              <a:ext uri="{FF2B5EF4-FFF2-40B4-BE49-F238E27FC236}">
+                <a16:creationId xmlns:a16="http://schemas.microsoft.com/office/drawing/2014/main" id="{A120F06B-5533-8A2E-0AA9-758EB07A27CE}"/>
+              </a:ext>
+            </a:extLst>
+          </p:cNvPr>
+          <p:cNvSpPr txBox="1"/>
+          <p:nvPr/>
+        </p:nvSpPr>
+        <p:spPr>
+          <a:xfrm>
+            <a:off x="490474" y="4238477"/>
+            <a:ext cx="7815326" cy="2355517"/>
+          </a:xfrm>
+          <a:prstGeom prst="rect">
+            <a:avLst/>
+          </a:prstGeom>
+        </p:spPr>
+        <p:txBody>
+          <a:bodyPr wrap="square" lIns="0" tIns="0" rIns="0" bIns="0" rtlCol="0" anchor="t">
+            <a:spAutoFit/>
+          </a:bodyPr>
+          <a:lstStyle/>
+          <a:p>
+            <a:pPr marL="474979" lvl="1" indent="-237490">
+              <a:lnSpc>
+                <a:spcPts val="3079"/>
+              </a:lnSpc>
+              <a:spcBef>
+                <a:spcPct val="0"/>
+              </a:spcBef>
+              <a:buFont typeface="Arial"/>
+              <a:buChar char="•"/>
+            </a:pPr>
+            <a:r>
+              <a:rPr lang="en-US" sz="2199" dirty="0" err="1">
+                <a:solidFill>
+                  <a:srgbClr val="000000"/>
+                </a:solidFill>
+                <a:latin typeface="Cabin" panose="020B0604020202020204" charset="0"/>
+              </a:rPr>
+              <a:t>Ưu</a:t>
+            </a:r>
+            <a:r>
+              <a:rPr lang="en-US" sz="2199" dirty="0">
+                <a:solidFill>
+                  <a:srgbClr val="000000"/>
+                </a:solidFill>
+                <a:latin typeface="Cabin" panose="020B0604020202020204" charset="0"/>
+              </a:rPr>
+              <a:t> </a:t>
+            </a:r>
+            <a:r>
+              <a:rPr lang="en-US" sz="2199" dirty="0" err="1">
+                <a:solidFill>
+                  <a:srgbClr val="000000"/>
+                </a:solidFill>
+                <a:latin typeface="Cabin" panose="020B0604020202020204" charset="0"/>
+              </a:rPr>
+              <a:t>điểm</a:t>
+            </a:r>
+            <a:r>
+              <a:rPr lang="en-US" sz="2199" dirty="0">
+                <a:solidFill>
+                  <a:srgbClr val="000000"/>
+                </a:solidFill>
+                <a:latin typeface="Cabin" panose="020B0604020202020204" charset="0"/>
+              </a:rPr>
+              <a:t> : </a:t>
+            </a:r>
+          </a:p>
+          <a:p>
+            <a:pPr marL="237489" lvl="1">
+              <a:lnSpc>
+                <a:spcPts val="3079"/>
+              </a:lnSpc>
+              <a:spcBef>
+                <a:spcPct val="0"/>
+              </a:spcBef>
+            </a:pPr>
+            <a:r>
+              <a:rPr lang="en-US" sz="2199" dirty="0">
+                <a:solidFill>
+                  <a:srgbClr val="000000"/>
+                </a:solidFill>
+                <a:latin typeface="Cabin" panose="020B0604020202020204" charset="0"/>
+              </a:rPr>
+              <a:t> - </a:t>
+            </a:r>
+            <a:r>
+              <a:rPr lang="en-US" sz="2199" dirty="0" err="1">
+                <a:solidFill>
+                  <a:srgbClr val="000000"/>
+                </a:solidFill>
+                <a:latin typeface="Cabin" panose="020B0604020202020204" charset="0"/>
+              </a:rPr>
+              <a:t>tách</a:t>
+            </a:r>
+            <a:r>
+              <a:rPr lang="en-US" sz="2199" dirty="0">
+                <a:solidFill>
+                  <a:srgbClr val="000000"/>
+                </a:solidFill>
+                <a:latin typeface="Cabin" panose="020B0604020202020204" charset="0"/>
+              </a:rPr>
+              <a:t> </a:t>
+            </a:r>
+            <a:r>
+              <a:rPr lang="en-US" sz="2199" dirty="0" err="1">
+                <a:solidFill>
+                  <a:srgbClr val="000000"/>
+                </a:solidFill>
+                <a:latin typeface="Cabin" panose="020B0604020202020204" charset="0"/>
+              </a:rPr>
+              <a:t>rời</a:t>
+            </a:r>
+            <a:r>
+              <a:rPr lang="en-US" sz="2199" dirty="0">
+                <a:solidFill>
+                  <a:srgbClr val="000000"/>
+                </a:solidFill>
+                <a:latin typeface="Cabin" panose="020B0604020202020204" charset="0"/>
+              </a:rPr>
+              <a:t> </a:t>
+            </a:r>
+            <a:r>
+              <a:rPr lang="en-US" sz="2199" dirty="0" err="1">
+                <a:solidFill>
+                  <a:srgbClr val="000000"/>
+                </a:solidFill>
+                <a:latin typeface="Cabin" panose="020B0604020202020204" charset="0"/>
+              </a:rPr>
+              <a:t>mã</a:t>
+            </a:r>
+            <a:r>
+              <a:rPr lang="en-US" sz="2199" dirty="0">
+                <a:solidFill>
+                  <a:srgbClr val="000000"/>
+                </a:solidFill>
+                <a:latin typeface="Cabin" panose="020B0604020202020204" charset="0"/>
+              </a:rPr>
+              <a:t> JS </a:t>
+            </a:r>
+            <a:r>
+              <a:rPr lang="en-US" sz="2199" dirty="0" err="1">
+                <a:solidFill>
+                  <a:srgbClr val="000000"/>
+                </a:solidFill>
+                <a:latin typeface="Cabin" panose="020B0604020202020204" charset="0"/>
+              </a:rPr>
+              <a:t>và</a:t>
+            </a:r>
+            <a:r>
+              <a:rPr lang="en-US" sz="2199" dirty="0">
+                <a:solidFill>
+                  <a:srgbClr val="000000"/>
+                </a:solidFill>
+                <a:latin typeface="Cabin" panose="020B0604020202020204" charset="0"/>
+              </a:rPr>
+              <a:t> </a:t>
+            </a:r>
+            <a:r>
+              <a:rPr lang="en-US" sz="2199" dirty="0" err="1">
+                <a:solidFill>
+                  <a:srgbClr val="000000"/>
+                </a:solidFill>
+                <a:latin typeface="Cabin" panose="020B0604020202020204" charset="0"/>
+              </a:rPr>
+              <a:t>mã</a:t>
+            </a:r>
+            <a:r>
+              <a:rPr lang="en-US" sz="2199" dirty="0">
+                <a:solidFill>
+                  <a:srgbClr val="000000"/>
+                </a:solidFill>
+                <a:latin typeface="Cabin" panose="020B0604020202020204" charset="0"/>
+              </a:rPr>
+              <a:t> html </a:t>
+            </a:r>
+            <a:r>
+              <a:rPr lang="en-US" sz="2199" dirty="0" err="1">
+                <a:solidFill>
+                  <a:srgbClr val="000000"/>
+                </a:solidFill>
+                <a:latin typeface="Cabin" panose="020B0604020202020204" charset="0"/>
+              </a:rPr>
+              <a:t>khiến</a:t>
+            </a:r>
+            <a:r>
+              <a:rPr lang="en-US" sz="2199" dirty="0">
+                <a:solidFill>
+                  <a:srgbClr val="000000"/>
+                </a:solidFill>
+                <a:latin typeface="Cabin" panose="020B0604020202020204" charset="0"/>
+              </a:rPr>
+              <a:t> </a:t>
+            </a:r>
+            <a:r>
+              <a:rPr lang="en-US" sz="2199" dirty="0" err="1">
+                <a:solidFill>
+                  <a:srgbClr val="000000"/>
+                </a:solidFill>
+                <a:latin typeface="Cabin" panose="020B0604020202020204" charset="0"/>
+              </a:rPr>
+              <a:t>việc</a:t>
+            </a:r>
+            <a:r>
+              <a:rPr lang="en-US" sz="2199" dirty="0">
+                <a:solidFill>
+                  <a:srgbClr val="000000"/>
+                </a:solidFill>
+                <a:latin typeface="Cabin" panose="020B0604020202020204" charset="0"/>
+              </a:rPr>
+              <a:t> </a:t>
+            </a:r>
+            <a:r>
+              <a:rPr lang="en-US" sz="2199" dirty="0" err="1">
+                <a:solidFill>
+                  <a:srgbClr val="000000"/>
+                </a:solidFill>
+                <a:latin typeface="Cabin" panose="020B0604020202020204" charset="0"/>
+              </a:rPr>
+              <a:t>viết</a:t>
+            </a:r>
+            <a:r>
+              <a:rPr lang="en-US" sz="2199" dirty="0">
+                <a:solidFill>
+                  <a:srgbClr val="000000"/>
+                </a:solidFill>
+                <a:latin typeface="Cabin" panose="020B0604020202020204" charset="0"/>
+              </a:rPr>
+              <a:t> code </a:t>
+            </a:r>
+            <a:r>
+              <a:rPr lang="en-US" sz="2199" dirty="0" err="1">
+                <a:solidFill>
+                  <a:srgbClr val="000000"/>
+                </a:solidFill>
+                <a:latin typeface="Cabin" panose="020B0604020202020204" charset="0"/>
+              </a:rPr>
+              <a:t>dễ</a:t>
+            </a:r>
+            <a:r>
+              <a:rPr lang="en-US" sz="2199" dirty="0">
+                <a:solidFill>
+                  <a:srgbClr val="000000"/>
+                </a:solidFill>
+                <a:latin typeface="Cabin" panose="020B0604020202020204" charset="0"/>
+              </a:rPr>
+              <a:t> </a:t>
+            </a:r>
+            <a:r>
+              <a:rPr lang="en-US" sz="2199" dirty="0" err="1">
+                <a:solidFill>
+                  <a:srgbClr val="000000"/>
+                </a:solidFill>
+                <a:latin typeface="Cabin" panose="020B0604020202020204" charset="0"/>
+              </a:rPr>
+              <a:t>dàng</a:t>
+            </a:r>
+            <a:r>
+              <a:rPr lang="en-US" sz="2199" dirty="0">
+                <a:solidFill>
+                  <a:srgbClr val="000000"/>
+                </a:solidFill>
+                <a:latin typeface="Cabin" panose="020B0604020202020204" charset="0"/>
+              </a:rPr>
+              <a:t> </a:t>
+            </a:r>
+            <a:r>
+              <a:rPr lang="en-US" sz="2199" dirty="0" err="1">
+                <a:solidFill>
+                  <a:srgbClr val="000000"/>
+                </a:solidFill>
+                <a:latin typeface="Cabin" panose="020B0604020202020204" charset="0"/>
+              </a:rPr>
+              <a:t>hơn</a:t>
+            </a:r>
+            <a:r>
+              <a:rPr lang="en-US" sz="2199" dirty="0">
+                <a:solidFill>
+                  <a:srgbClr val="000000"/>
+                </a:solidFill>
+                <a:latin typeface="Cabin" panose="020B0604020202020204" charset="0"/>
+              </a:rPr>
+              <a:t> . </a:t>
+            </a:r>
+          </a:p>
+          <a:p>
+            <a:pPr marL="237489" lvl="1">
+              <a:lnSpc>
+                <a:spcPts val="3079"/>
+              </a:lnSpc>
+              <a:spcBef>
+                <a:spcPct val="0"/>
+              </a:spcBef>
+            </a:pPr>
+            <a:r>
+              <a:rPr lang="en-US" sz="2199" dirty="0">
+                <a:solidFill>
+                  <a:srgbClr val="000000"/>
+                </a:solidFill>
+                <a:latin typeface="Cabin" panose="020B0604020202020204" charset="0"/>
+              </a:rPr>
+              <a:t> - </a:t>
+            </a:r>
+            <a:r>
+              <a:rPr lang="en-US" sz="2199" dirty="0" err="1">
+                <a:solidFill>
+                  <a:srgbClr val="000000"/>
+                </a:solidFill>
+                <a:latin typeface="Cabin" panose="020B0604020202020204" charset="0"/>
+              </a:rPr>
+              <a:t>Dễ</a:t>
+            </a:r>
+            <a:r>
+              <a:rPr lang="en-US" sz="2199" dirty="0">
+                <a:solidFill>
+                  <a:srgbClr val="000000"/>
+                </a:solidFill>
+                <a:latin typeface="Cabin" panose="020B0604020202020204" charset="0"/>
+              </a:rPr>
+              <a:t> </a:t>
+            </a:r>
+            <a:r>
+              <a:rPr lang="en-US" sz="2199" dirty="0" err="1">
+                <a:solidFill>
+                  <a:srgbClr val="000000"/>
+                </a:solidFill>
+                <a:latin typeface="Cabin" panose="020B0604020202020204" charset="0"/>
+              </a:rPr>
+              <a:t>bảo</a:t>
+            </a:r>
+            <a:r>
+              <a:rPr lang="en-US" sz="2199" dirty="0">
+                <a:solidFill>
+                  <a:srgbClr val="000000"/>
+                </a:solidFill>
+                <a:latin typeface="Cabin" panose="020B0604020202020204" charset="0"/>
+              </a:rPr>
+              <a:t> </a:t>
+            </a:r>
+            <a:r>
+              <a:rPr lang="en-US" sz="2199" dirty="0" err="1">
+                <a:solidFill>
+                  <a:srgbClr val="000000"/>
+                </a:solidFill>
+                <a:latin typeface="Cabin" panose="020B0604020202020204" charset="0"/>
+              </a:rPr>
+              <a:t>trì</a:t>
+            </a:r>
+            <a:r>
+              <a:rPr lang="en-US" sz="2199" dirty="0">
+                <a:solidFill>
+                  <a:srgbClr val="000000"/>
+                </a:solidFill>
+                <a:latin typeface="Cabin" panose="020B0604020202020204" charset="0"/>
+              </a:rPr>
+              <a:t> </a:t>
+            </a:r>
+            <a:r>
+              <a:rPr lang="en-US" sz="2199" dirty="0" err="1">
+                <a:solidFill>
+                  <a:srgbClr val="000000"/>
+                </a:solidFill>
+                <a:latin typeface="Cabin" panose="020B0604020202020204" charset="0"/>
+              </a:rPr>
+              <a:t>khi</a:t>
+            </a:r>
+            <a:r>
+              <a:rPr lang="en-US" sz="2199" dirty="0">
+                <a:solidFill>
+                  <a:srgbClr val="000000"/>
+                </a:solidFill>
+                <a:latin typeface="Cabin" panose="020B0604020202020204" charset="0"/>
+              </a:rPr>
+              <a:t> </a:t>
+            </a:r>
+            <a:r>
+              <a:rPr lang="en-US" sz="2199" dirty="0" err="1">
+                <a:solidFill>
+                  <a:srgbClr val="000000"/>
+                </a:solidFill>
+                <a:latin typeface="Cabin" panose="020B0604020202020204" charset="0"/>
+              </a:rPr>
+              <a:t>đã</a:t>
+            </a:r>
+            <a:r>
+              <a:rPr lang="en-US" sz="2199" dirty="0">
+                <a:solidFill>
+                  <a:srgbClr val="000000"/>
+                </a:solidFill>
+                <a:latin typeface="Cabin" panose="020B0604020202020204" charset="0"/>
+              </a:rPr>
+              <a:t> </a:t>
+            </a:r>
+            <a:r>
+              <a:rPr lang="en-US" sz="2199" dirty="0" err="1">
+                <a:solidFill>
+                  <a:srgbClr val="000000"/>
+                </a:solidFill>
+                <a:latin typeface="Cabin" panose="020B0604020202020204" charset="0"/>
+              </a:rPr>
+              <a:t>tách</a:t>
+            </a:r>
+            <a:r>
+              <a:rPr lang="en-US" sz="2199" dirty="0">
+                <a:solidFill>
+                  <a:srgbClr val="000000"/>
+                </a:solidFill>
+                <a:latin typeface="Cabin" panose="020B0604020202020204" charset="0"/>
+              </a:rPr>
+              <a:t> </a:t>
+            </a:r>
+            <a:r>
+              <a:rPr lang="en-US" sz="2199" dirty="0" err="1">
+                <a:solidFill>
+                  <a:srgbClr val="000000"/>
+                </a:solidFill>
+                <a:latin typeface="Cabin" panose="020B0604020202020204" charset="0"/>
+              </a:rPr>
+              <a:t>ra</a:t>
+            </a:r>
+            <a:r>
+              <a:rPr lang="en-US" sz="2199" dirty="0">
+                <a:solidFill>
+                  <a:srgbClr val="000000"/>
+                </a:solidFill>
+                <a:latin typeface="Cabin" panose="020B0604020202020204" charset="0"/>
+              </a:rPr>
+              <a:t> </a:t>
+            </a:r>
+            <a:r>
+              <a:rPr lang="en-US" sz="2199" dirty="0" err="1">
+                <a:solidFill>
+                  <a:srgbClr val="000000"/>
+                </a:solidFill>
+                <a:latin typeface="Cabin" panose="020B0604020202020204" charset="0"/>
+              </a:rPr>
+              <a:t>khỏi</a:t>
+            </a:r>
+            <a:r>
+              <a:rPr lang="en-US" sz="2199" dirty="0">
+                <a:solidFill>
+                  <a:srgbClr val="000000"/>
+                </a:solidFill>
+                <a:latin typeface="Cabin" panose="020B0604020202020204" charset="0"/>
+              </a:rPr>
+              <a:t> </a:t>
+            </a:r>
+            <a:r>
+              <a:rPr lang="en-US" sz="2199" dirty="0" err="1">
+                <a:solidFill>
+                  <a:srgbClr val="000000"/>
+                </a:solidFill>
+                <a:latin typeface="Cabin" panose="020B0604020202020204" charset="0"/>
+              </a:rPr>
+              <a:t>trang</a:t>
+            </a:r>
+            <a:r>
+              <a:rPr lang="en-US" sz="2199" dirty="0">
+                <a:solidFill>
+                  <a:srgbClr val="000000"/>
+                </a:solidFill>
+                <a:latin typeface="Cabin" panose="020B0604020202020204" charset="0"/>
+              </a:rPr>
+              <a:t> html</a:t>
+            </a:r>
+          </a:p>
+          <a:p>
+            <a:pPr marL="237489" lvl="1">
+              <a:lnSpc>
+                <a:spcPts val="3079"/>
+              </a:lnSpc>
+              <a:spcBef>
+                <a:spcPct val="0"/>
+              </a:spcBef>
+            </a:pPr>
+            <a:r>
+              <a:rPr lang="en-US" sz="2199" dirty="0">
+                <a:solidFill>
+                  <a:srgbClr val="000000"/>
+                </a:solidFill>
+                <a:latin typeface="Cabin" panose="020B0604020202020204" charset="0"/>
+              </a:rPr>
+              <a:t> -</a:t>
+            </a:r>
+            <a:r>
+              <a:rPr lang="vi-VN" sz="2400" b="0" i="0" dirty="0">
+                <a:solidFill>
+                  <a:srgbClr val="0D0D0D"/>
+                </a:solidFill>
+                <a:effectLst/>
+                <a:highlight>
+                  <a:srgbClr val="FFFFFF"/>
+                </a:highlight>
+                <a:latin typeface="Cabin" panose="020B0604020202020204" charset="0"/>
+              </a:rPr>
+              <a:t> Các tập tin script riêng biệt có thể được tối ưu hóa để tận dụng cache trình duyệt, giúp cải thiện hiệu suất tải trang.</a:t>
+            </a:r>
+          </a:p>
+          <a:p>
+            <a:pPr marL="237489" lvl="1">
+              <a:lnSpc>
+                <a:spcPts val="3079"/>
+              </a:lnSpc>
+              <a:spcBef>
+                <a:spcPct val="0"/>
+              </a:spcBef>
+            </a:pPr>
+            <a:endParaRPr lang="en-US" sz="2199" dirty="0">
+              <a:solidFill>
+                <a:srgbClr val="000000"/>
+              </a:solidFill>
+              <a:latin typeface="Cabin" panose="020B0604020202020204" charset="0"/>
+            </a:endParaRPr>
+          </a:p>
+        </p:txBody>
+      </p:sp>
+      <p:sp>
+        <p:nvSpPr>
+          <p:cNvPr id="10" name="TextBox 9">
+            <a:extLst>
+              <a:ext uri="{FF2B5EF4-FFF2-40B4-BE49-F238E27FC236}">
+                <a16:creationId xmlns:a16="http://schemas.microsoft.com/office/drawing/2014/main" id="{0E0E4C3A-7D68-F5C4-D3D3-F6A67B830911}"/>
+              </a:ext>
+            </a:extLst>
+          </p:cNvPr>
+          <p:cNvSpPr txBox="1"/>
+          <p:nvPr/>
+        </p:nvSpPr>
+        <p:spPr>
+          <a:xfrm>
+            <a:off x="506728" y="6568594"/>
+            <a:ext cx="6828902" cy="1162882"/>
+          </a:xfrm>
+          <a:prstGeom prst="rect">
+            <a:avLst/>
+          </a:prstGeom>
+        </p:spPr>
+        <p:txBody>
+          <a:bodyPr wrap="square" lIns="0" tIns="0" rIns="0" bIns="0" rtlCol="0" anchor="t">
+            <a:spAutoFit/>
+          </a:bodyPr>
+          <a:lstStyle/>
+          <a:p>
+            <a:pPr marL="474979" lvl="1" indent="-237490">
+              <a:lnSpc>
+                <a:spcPts val="3079"/>
+              </a:lnSpc>
+              <a:spcBef>
+                <a:spcPct val="0"/>
+              </a:spcBef>
+              <a:buFont typeface="Arial"/>
+              <a:buChar char="•"/>
+            </a:pPr>
+            <a:r>
+              <a:rPr lang="en-US" sz="2199" dirty="0" err="1">
+                <a:solidFill>
+                  <a:srgbClr val="000000"/>
+                </a:solidFill>
+                <a:latin typeface="Cabin" panose="020B0604020202020204" charset="0"/>
+              </a:rPr>
+              <a:t>Nhược</a:t>
+            </a:r>
+            <a:r>
+              <a:rPr lang="en-US" sz="2199" dirty="0">
+                <a:solidFill>
+                  <a:srgbClr val="000000"/>
+                </a:solidFill>
+                <a:latin typeface="Cabin" panose="020B0604020202020204" charset="0"/>
+              </a:rPr>
+              <a:t> </a:t>
+            </a:r>
+            <a:r>
+              <a:rPr lang="en-US" sz="2199" dirty="0" err="1">
+                <a:solidFill>
+                  <a:srgbClr val="000000"/>
+                </a:solidFill>
+                <a:latin typeface="Cabin" panose="020B0604020202020204" charset="0"/>
+              </a:rPr>
+              <a:t>điểm</a:t>
+            </a:r>
+            <a:r>
+              <a:rPr lang="en-US" sz="2199" dirty="0">
+                <a:solidFill>
+                  <a:srgbClr val="000000"/>
+                </a:solidFill>
+                <a:latin typeface="Cabin" panose="020B0604020202020204" charset="0"/>
+              </a:rPr>
+              <a:t> :  </a:t>
+            </a:r>
+            <a:r>
+              <a:rPr lang="en-US" sz="2199" dirty="0" err="1">
+                <a:solidFill>
+                  <a:srgbClr val="000000"/>
+                </a:solidFill>
+                <a:latin typeface="Cabin" panose="020B0604020202020204" charset="0"/>
+              </a:rPr>
+              <a:t>Đối</a:t>
+            </a:r>
+            <a:r>
+              <a:rPr lang="en-US" sz="2199" dirty="0">
+                <a:solidFill>
+                  <a:srgbClr val="000000"/>
+                </a:solidFill>
+                <a:latin typeface="Cabin" panose="020B0604020202020204" charset="0"/>
+              </a:rPr>
+              <a:t> </a:t>
+            </a:r>
+            <a:r>
+              <a:rPr lang="en-US" sz="2199" dirty="0" err="1">
+                <a:solidFill>
+                  <a:srgbClr val="000000"/>
+                </a:solidFill>
+                <a:latin typeface="Cabin" panose="020B0604020202020204" charset="0"/>
+              </a:rPr>
+              <a:t>với</a:t>
+            </a:r>
+            <a:r>
+              <a:rPr lang="en-US" sz="2199" dirty="0">
+                <a:solidFill>
+                  <a:srgbClr val="000000"/>
+                </a:solidFill>
+                <a:latin typeface="Cabin" panose="020B0604020202020204" charset="0"/>
+              </a:rPr>
+              <a:t> </a:t>
+            </a:r>
+            <a:r>
+              <a:rPr lang="en-US" sz="2199" dirty="0" err="1">
+                <a:solidFill>
+                  <a:srgbClr val="000000"/>
+                </a:solidFill>
+                <a:latin typeface="Cabin" panose="020B0604020202020204" charset="0"/>
+              </a:rPr>
+              <a:t>dự</a:t>
+            </a:r>
+            <a:r>
+              <a:rPr lang="en-US" sz="2199" dirty="0">
+                <a:solidFill>
+                  <a:srgbClr val="000000"/>
+                </a:solidFill>
+                <a:latin typeface="Cabin" panose="020B0604020202020204" charset="0"/>
+              </a:rPr>
+              <a:t> </a:t>
+            </a:r>
+            <a:r>
+              <a:rPr lang="en-US" sz="2199" dirty="0" err="1">
+                <a:solidFill>
+                  <a:srgbClr val="000000"/>
+                </a:solidFill>
+                <a:latin typeface="Cabin" panose="020B0604020202020204" charset="0"/>
+              </a:rPr>
+              <a:t>án</a:t>
+            </a:r>
+            <a:r>
+              <a:rPr lang="en-US" sz="2199" dirty="0">
+                <a:solidFill>
+                  <a:srgbClr val="000000"/>
+                </a:solidFill>
+                <a:latin typeface="Cabin" panose="020B0604020202020204" charset="0"/>
+              </a:rPr>
+              <a:t> </a:t>
+            </a:r>
+            <a:r>
+              <a:rPr lang="en-US" sz="2199" dirty="0" err="1">
+                <a:solidFill>
+                  <a:srgbClr val="000000"/>
+                </a:solidFill>
+                <a:latin typeface="Cabin" panose="020B0604020202020204" charset="0"/>
+              </a:rPr>
+              <a:t>nhiều</a:t>
+            </a:r>
+            <a:r>
+              <a:rPr lang="en-US" sz="2199" dirty="0">
+                <a:solidFill>
+                  <a:srgbClr val="000000"/>
+                </a:solidFill>
+                <a:latin typeface="Cabin" panose="020B0604020202020204" charset="0"/>
+              </a:rPr>
+              <a:t> file .</a:t>
+            </a:r>
+            <a:r>
+              <a:rPr lang="en-US" sz="2199" dirty="0" err="1">
+                <a:solidFill>
+                  <a:srgbClr val="000000"/>
+                </a:solidFill>
+                <a:latin typeface="Cabin" panose="020B0604020202020204" charset="0"/>
+              </a:rPr>
+              <a:t>js</a:t>
+            </a:r>
+            <a:endParaRPr lang="en-US" sz="2199" dirty="0">
+              <a:solidFill>
+                <a:srgbClr val="000000"/>
+              </a:solidFill>
+              <a:latin typeface="Cabin" panose="020B0604020202020204" charset="0"/>
+            </a:endParaRPr>
+          </a:p>
+          <a:p>
+            <a:pPr marL="237489" lvl="1">
+              <a:lnSpc>
+                <a:spcPts val="3079"/>
+              </a:lnSpc>
+              <a:spcBef>
+                <a:spcPct val="0"/>
+              </a:spcBef>
+            </a:pPr>
+            <a:r>
+              <a:rPr lang="en-US" sz="2199" dirty="0">
+                <a:solidFill>
+                  <a:srgbClr val="000000"/>
+                </a:solidFill>
+                <a:latin typeface="Cabin" panose="020B0604020202020204" charset="0"/>
+              </a:rPr>
+              <a:t>  - </a:t>
+            </a:r>
+            <a:r>
+              <a:rPr lang="en-US" sz="2199" dirty="0" err="1">
+                <a:solidFill>
+                  <a:srgbClr val="000000"/>
+                </a:solidFill>
+                <a:latin typeface="Cabin" panose="020B0604020202020204" charset="0"/>
+              </a:rPr>
+              <a:t>quản</a:t>
+            </a:r>
+            <a:r>
+              <a:rPr lang="en-US" sz="2199" dirty="0">
+                <a:solidFill>
+                  <a:srgbClr val="000000"/>
+                </a:solidFill>
+                <a:latin typeface="Cabin" panose="020B0604020202020204" charset="0"/>
+              </a:rPr>
+              <a:t> </a:t>
+            </a:r>
+            <a:r>
+              <a:rPr lang="en-US" sz="2199" dirty="0" err="1">
+                <a:solidFill>
+                  <a:srgbClr val="000000"/>
+                </a:solidFill>
+                <a:latin typeface="Cabin" panose="020B0604020202020204" charset="0"/>
+              </a:rPr>
+              <a:t>lí</a:t>
+            </a:r>
+            <a:r>
+              <a:rPr lang="en-US" sz="2199" dirty="0">
+                <a:solidFill>
+                  <a:srgbClr val="000000"/>
+                </a:solidFill>
+                <a:latin typeface="Cabin" panose="020B0604020202020204" charset="0"/>
+              </a:rPr>
+              <a:t> </a:t>
+            </a:r>
+            <a:r>
+              <a:rPr lang="en-US" sz="2199" dirty="0" err="1">
+                <a:solidFill>
+                  <a:srgbClr val="000000"/>
+                </a:solidFill>
+                <a:latin typeface="Cabin" panose="020B0604020202020204" charset="0"/>
+              </a:rPr>
+              <a:t>trở</a:t>
+            </a:r>
+            <a:r>
+              <a:rPr lang="en-US" sz="2199" dirty="0">
+                <a:solidFill>
+                  <a:srgbClr val="000000"/>
+                </a:solidFill>
+                <a:latin typeface="Cabin" panose="020B0604020202020204" charset="0"/>
+              </a:rPr>
+              <a:t> </a:t>
+            </a:r>
+            <a:r>
+              <a:rPr lang="en-US" sz="2199" dirty="0" err="1">
+                <a:solidFill>
+                  <a:srgbClr val="000000"/>
+                </a:solidFill>
+                <a:latin typeface="Cabin" panose="020B0604020202020204" charset="0"/>
+              </a:rPr>
+              <a:t>nên</a:t>
+            </a:r>
+            <a:r>
+              <a:rPr lang="en-US" sz="2199" dirty="0">
+                <a:solidFill>
+                  <a:srgbClr val="000000"/>
+                </a:solidFill>
+                <a:latin typeface="Cabin" panose="020B0604020202020204" charset="0"/>
+              </a:rPr>
+              <a:t> </a:t>
+            </a:r>
+            <a:r>
+              <a:rPr lang="en-US" sz="2199" dirty="0" err="1">
+                <a:solidFill>
+                  <a:srgbClr val="000000"/>
+                </a:solidFill>
+                <a:latin typeface="Cabin" panose="020B0604020202020204" charset="0"/>
+              </a:rPr>
+              <a:t>phúc</a:t>
+            </a:r>
+            <a:r>
+              <a:rPr lang="en-US" sz="2199" dirty="0">
+                <a:solidFill>
+                  <a:srgbClr val="000000"/>
+                </a:solidFill>
+                <a:latin typeface="Cabin" panose="020B0604020202020204" charset="0"/>
+              </a:rPr>
+              <a:t> </a:t>
+            </a:r>
+            <a:r>
+              <a:rPr lang="en-US" sz="2199" dirty="0" err="1">
+                <a:solidFill>
+                  <a:srgbClr val="000000"/>
+                </a:solidFill>
+                <a:latin typeface="Cabin" panose="020B0604020202020204" charset="0"/>
+              </a:rPr>
+              <a:t>tạp</a:t>
+            </a:r>
+            <a:r>
+              <a:rPr lang="en-US" sz="2199" dirty="0">
+                <a:solidFill>
+                  <a:srgbClr val="000000"/>
+                </a:solidFill>
+                <a:latin typeface="Cabin" panose="020B0604020202020204" charset="0"/>
+              </a:rPr>
+              <a:t> </a:t>
+            </a:r>
+          </a:p>
+          <a:p>
+            <a:pPr marL="237489" lvl="1">
+              <a:lnSpc>
+                <a:spcPts val="3079"/>
+              </a:lnSpc>
+              <a:spcBef>
+                <a:spcPct val="0"/>
+              </a:spcBef>
+            </a:pPr>
+            <a:r>
+              <a:rPr lang="en-US" sz="2199" dirty="0">
+                <a:solidFill>
+                  <a:srgbClr val="000000"/>
+                </a:solidFill>
+                <a:latin typeface="Cabin" panose="020B0604020202020204" charset="0"/>
+              </a:rPr>
+              <a:t>  - </a:t>
+            </a:r>
+            <a:r>
+              <a:rPr lang="en-US" sz="2199" dirty="0" err="1">
+                <a:solidFill>
+                  <a:srgbClr val="000000"/>
+                </a:solidFill>
+                <a:latin typeface="Cabin" panose="020B0604020202020204" charset="0"/>
+              </a:rPr>
+              <a:t>khả</a:t>
+            </a:r>
+            <a:r>
+              <a:rPr lang="en-US" sz="2199" dirty="0">
+                <a:solidFill>
+                  <a:srgbClr val="000000"/>
+                </a:solidFill>
+                <a:latin typeface="Cabin" panose="020B0604020202020204" charset="0"/>
+              </a:rPr>
+              <a:t> </a:t>
+            </a:r>
+            <a:r>
+              <a:rPr lang="en-US" sz="2199" dirty="0" err="1">
+                <a:solidFill>
+                  <a:srgbClr val="000000"/>
+                </a:solidFill>
+                <a:latin typeface="Cabin" panose="020B0604020202020204" charset="0"/>
+              </a:rPr>
+              <a:t>năng</a:t>
+            </a:r>
+            <a:r>
+              <a:rPr lang="en-US" sz="2199" dirty="0">
+                <a:solidFill>
+                  <a:srgbClr val="000000"/>
+                </a:solidFill>
+                <a:latin typeface="Cabin" panose="020B0604020202020204" charset="0"/>
+              </a:rPr>
+              <a:t> </a:t>
+            </a:r>
+            <a:r>
+              <a:rPr lang="en-US" sz="2199" dirty="0" err="1">
+                <a:solidFill>
+                  <a:srgbClr val="000000"/>
+                </a:solidFill>
+                <a:latin typeface="Cabin" panose="020B0604020202020204" charset="0"/>
+              </a:rPr>
+              <a:t>xung</a:t>
+            </a:r>
+            <a:r>
+              <a:rPr lang="en-US" sz="2199" dirty="0">
+                <a:solidFill>
+                  <a:srgbClr val="000000"/>
+                </a:solidFill>
+                <a:latin typeface="Cabin" panose="020B0604020202020204" charset="0"/>
+              </a:rPr>
+              <a:t> </a:t>
+            </a:r>
+            <a:r>
+              <a:rPr lang="en-US" sz="2199" dirty="0" err="1">
+                <a:solidFill>
+                  <a:srgbClr val="000000"/>
+                </a:solidFill>
+                <a:latin typeface="Cabin" panose="020B0604020202020204" charset="0"/>
+              </a:rPr>
+              <a:t>đột</a:t>
+            </a:r>
+            <a:r>
+              <a:rPr lang="en-US" sz="2199" dirty="0">
+                <a:solidFill>
+                  <a:srgbClr val="000000"/>
+                </a:solidFill>
+                <a:latin typeface="Cabin" panose="020B0604020202020204" charset="0"/>
+              </a:rPr>
+              <a:t> </a:t>
+            </a:r>
+            <a:r>
+              <a:rPr lang="en-US" sz="2199" dirty="0" err="1">
+                <a:solidFill>
+                  <a:srgbClr val="000000"/>
+                </a:solidFill>
+                <a:latin typeface="Cabin" panose="020B0604020202020204" charset="0"/>
+              </a:rPr>
+              <a:t>giữa</a:t>
+            </a:r>
+            <a:r>
+              <a:rPr lang="en-US" sz="2199" dirty="0">
+                <a:solidFill>
+                  <a:srgbClr val="000000"/>
+                </a:solidFill>
+                <a:latin typeface="Cabin" panose="020B0604020202020204" charset="0"/>
+              </a:rPr>
+              <a:t> </a:t>
+            </a:r>
+            <a:r>
+              <a:rPr lang="en-US" sz="2199" dirty="0" err="1">
+                <a:solidFill>
+                  <a:srgbClr val="000000"/>
+                </a:solidFill>
+                <a:latin typeface="Cabin" panose="020B0604020202020204" charset="0"/>
+              </a:rPr>
+              <a:t>các</a:t>
+            </a:r>
+            <a:r>
+              <a:rPr lang="en-US" sz="2199" dirty="0">
+                <a:solidFill>
+                  <a:srgbClr val="000000"/>
+                </a:solidFill>
+                <a:latin typeface="Cabin" panose="020B0604020202020204" charset="0"/>
+              </a:rPr>
+              <a:t> </a:t>
+            </a:r>
+            <a:r>
+              <a:rPr lang="en-US" sz="2199" dirty="0" err="1">
+                <a:solidFill>
+                  <a:srgbClr val="000000"/>
+                </a:solidFill>
+                <a:latin typeface="Cabin" panose="020B0604020202020204" charset="0"/>
+              </a:rPr>
+              <a:t>thư</a:t>
+            </a:r>
+            <a:r>
+              <a:rPr lang="en-US" sz="2199" dirty="0">
+                <a:solidFill>
+                  <a:srgbClr val="000000"/>
+                </a:solidFill>
+                <a:latin typeface="Cabin" panose="020B0604020202020204" charset="0"/>
+              </a:rPr>
+              <a:t> </a:t>
+            </a:r>
+            <a:r>
+              <a:rPr lang="en-US" sz="2199" dirty="0" err="1">
+                <a:solidFill>
+                  <a:srgbClr val="000000"/>
+                </a:solidFill>
+                <a:latin typeface="Cabin" panose="020B0604020202020204" charset="0"/>
+              </a:rPr>
+              <a:t>viện</a:t>
+            </a:r>
+            <a:r>
+              <a:rPr lang="en-US" sz="2199" dirty="0">
+                <a:solidFill>
+                  <a:srgbClr val="000000"/>
+                </a:solidFill>
+                <a:latin typeface="Cabin" panose="020B0604020202020204" charset="0"/>
+              </a:rPr>
+              <a:t> </a:t>
+            </a:r>
+            <a:r>
+              <a:rPr lang="en-US" sz="2199" dirty="0">
+                <a:solidFill>
+                  <a:srgbClr val="000000"/>
+                </a:solidFill>
+                <a:latin typeface="Cabin" panose="020B0604020202020204" charset="0"/>
+                <a:sym typeface="Wingdings" panose="05000000000000000000" pitchFamily="2" charset="2"/>
+              </a:rPr>
+              <a:t> </a:t>
+            </a:r>
+            <a:endParaRPr lang="en-US" sz="2199" dirty="0">
+              <a:solidFill>
+                <a:srgbClr val="000000"/>
+              </a:solidFill>
+              <a:latin typeface="Cabin" panose="020B0604020202020204" charset="0"/>
+            </a:endParaRPr>
+          </a:p>
+        </p:txBody>
+      </p:sp>
+      <p:sp>
+        <p:nvSpPr>
+          <p:cNvPr id="11" name="TextBox 10">
+            <a:extLst>
+              <a:ext uri="{FF2B5EF4-FFF2-40B4-BE49-F238E27FC236}">
+                <a16:creationId xmlns:a16="http://schemas.microsoft.com/office/drawing/2014/main" id="{C2B94609-9FF8-B21E-DB9C-4EC454302106}"/>
+              </a:ext>
+            </a:extLst>
+          </p:cNvPr>
+          <p:cNvSpPr txBox="1"/>
+          <p:nvPr/>
+        </p:nvSpPr>
+        <p:spPr>
+          <a:xfrm>
+            <a:off x="506728" y="8159863"/>
+            <a:ext cx="6828902" cy="764248"/>
+          </a:xfrm>
+          <a:prstGeom prst="rect">
+            <a:avLst/>
+          </a:prstGeom>
+        </p:spPr>
+        <p:txBody>
+          <a:bodyPr wrap="square" lIns="0" tIns="0" rIns="0" bIns="0" rtlCol="0" anchor="t">
+            <a:spAutoFit/>
+          </a:bodyPr>
+          <a:lstStyle/>
+          <a:p>
+            <a:pPr marL="474979" lvl="1" indent="-237490">
+              <a:lnSpc>
+                <a:spcPts val="3079"/>
+              </a:lnSpc>
+              <a:spcBef>
+                <a:spcPct val="0"/>
+              </a:spcBef>
+              <a:buFont typeface="Arial"/>
+              <a:buChar char="•"/>
+            </a:pPr>
+            <a:r>
+              <a:rPr lang="en-US" sz="2199" dirty="0" err="1">
+                <a:solidFill>
+                  <a:srgbClr val="000000"/>
+                </a:solidFill>
+                <a:latin typeface="Cabin" panose="020B0604020202020204" charset="0"/>
+              </a:rPr>
+              <a:t>Lưu</a:t>
+            </a:r>
+            <a:r>
+              <a:rPr lang="en-US" sz="2199" dirty="0">
+                <a:solidFill>
+                  <a:srgbClr val="000000"/>
+                </a:solidFill>
+                <a:latin typeface="Cabin" panose="020B0604020202020204" charset="0"/>
+              </a:rPr>
+              <a:t> ý :  </a:t>
+            </a:r>
+            <a:r>
+              <a:rPr lang="en-US" sz="2199" dirty="0" err="1">
+                <a:solidFill>
+                  <a:srgbClr val="000000"/>
+                </a:solidFill>
+                <a:latin typeface="Cabin" panose="020B0604020202020204" charset="0"/>
+              </a:rPr>
+              <a:t>nên</a:t>
+            </a:r>
+            <a:r>
+              <a:rPr lang="en-US" sz="2199" dirty="0">
+                <a:solidFill>
+                  <a:srgbClr val="000000"/>
+                </a:solidFill>
+                <a:latin typeface="Cabin" panose="020B0604020202020204" charset="0"/>
+              </a:rPr>
+              <a:t> </a:t>
+            </a:r>
+            <a:r>
+              <a:rPr lang="en-US" sz="2199" dirty="0" err="1">
+                <a:solidFill>
+                  <a:srgbClr val="000000"/>
+                </a:solidFill>
+                <a:latin typeface="Cabin" panose="020B0604020202020204" charset="0"/>
+              </a:rPr>
+              <a:t>viết</a:t>
+            </a:r>
+            <a:r>
+              <a:rPr lang="en-US" sz="2199" dirty="0">
+                <a:solidFill>
+                  <a:srgbClr val="000000"/>
+                </a:solidFill>
+                <a:latin typeface="Cabin" panose="020B0604020202020204" charset="0"/>
+              </a:rPr>
+              <a:t> </a:t>
+            </a:r>
+            <a:r>
+              <a:rPr lang="en-US" sz="2199" dirty="0" err="1">
+                <a:solidFill>
+                  <a:srgbClr val="000000"/>
+                </a:solidFill>
+                <a:latin typeface="Cabin" panose="020B0604020202020204" charset="0"/>
+              </a:rPr>
+              <a:t>các</a:t>
+            </a:r>
+            <a:r>
+              <a:rPr lang="en-US" sz="2199" dirty="0">
+                <a:solidFill>
+                  <a:srgbClr val="000000"/>
+                </a:solidFill>
+                <a:latin typeface="Cabin" panose="020B0604020202020204" charset="0"/>
+              </a:rPr>
+              <a:t> </a:t>
+            </a:r>
+            <a:r>
+              <a:rPr lang="en-US" sz="2199" dirty="0" err="1">
+                <a:solidFill>
+                  <a:srgbClr val="000000"/>
+                </a:solidFill>
+                <a:latin typeface="Cabin" panose="020B0604020202020204" charset="0"/>
+              </a:rPr>
+              <a:t>thẻ</a:t>
+            </a:r>
+            <a:r>
+              <a:rPr lang="en-US" sz="2199" dirty="0">
+                <a:solidFill>
+                  <a:srgbClr val="000000"/>
+                </a:solidFill>
+                <a:latin typeface="Cabin" panose="020B0604020202020204" charset="0"/>
+              </a:rPr>
+              <a:t> script ở </a:t>
+            </a:r>
+            <a:r>
+              <a:rPr lang="en-US" sz="2199" dirty="0" err="1">
+                <a:solidFill>
+                  <a:srgbClr val="000000"/>
+                </a:solidFill>
+                <a:latin typeface="Cabin" panose="020B0604020202020204" charset="0"/>
+              </a:rPr>
+              <a:t>cuối</a:t>
+            </a:r>
+            <a:r>
+              <a:rPr lang="en-US" sz="2199" dirty="0">
+                <a:solidFill>
+                  <a:srgbClr val="000000"/>
+                </a:solidFill>
+                <a:latin typeface="Cabin" panose="020B0604020202020204" charset="0"/>
+              </a:rPr>
+              <a:t> &lt;body&gt;</a:t>
+            </a:r>
+          </a:p>
+          <a:p>
+            <a:pPr marL="237489" lvl="1">
+              <a:lnSpc>
+                <a:spcPts val="3079"/>
+              </a:lnSpc>
+              <a:spcBef>
+                <a:spcPct val="0"/>
+              </a:spcBef>
+            </a:pPr>
+            <a:r>
+              <a:rPr lang="en-US" sz="2199" dirty="0">
+                <a:solidFill>
+                  <a:srgbClr val="000000"/>
+                </a:solidFill>
+                <a:latin typeface="Cabin" panose="020B0604020202020204" charset="0"/>
+                <a:sym typeface="Wingdings" panose="05000000000000000000" pitchFamily="2" charset="2"/>
+              </a:rPr>
+              <a:t> </a:t>
+            </a:r>
+            <a:r>
+              <a:rPr lang="en-US" sz="2199" dirty="0" err="1">
+                <a:solidFill>
+                  <a:srgbClr val="000000"/>
+                </a:solidFill>
+                <a:latin typeface="Cabin" panose="020B0604020202020204" charset="0"/>
+                <a:sym typeface="Wingdings" panose="05000000000000000000" pitchFamily="2" charset="2"/>
+              </a:rPr>
+              <a:t>Tăng</a:t>
+            </a:r>
+            <a:r>
+              <a:rPr lang="en-US" sz="2199" dirty="0">
+                <a:solidFill>
+                  <a:srgbClr val="000000"/>
+                </a:solidFill>
+                <a:latin typeface="Cabin" panose="020B0604020202020204" charset="0"/>
+                <a:sym typeface="Wingdings" panose="05000000000000000000" pitchFamily="2" charset="2"/>
+              </a:rPr>
+              <a:t> </a:t>
+            </a:r>
+            <a:r>
+              <a:rPr lang="en-US" sz="2199" dirty="0" err="1">
+                <a:solidFill>
+                  <a:srgbClr val="000000"/>
+                </a:solidFill>
+                <a:latin typeface="Cabin" panose="020B0604020202020204" charset="0"/>
+                <a:sym typeface="Wingdings" panose="05000000000000000000" pitchFamily="2" charset="2"/>
+              </a:rPr>
+              <a:t>tốc</a:t>
+            </a:r>
+            <a:r>
+              <a:rPr lang="en-US" sz="2199" dirty="0">
+                <a:solidFill>
+                  <a:srgbClr val="000000"/>
+                </a:solidFill>
+                <a:latin typeface="Cabin" panose="020B0604020202020204" charset="0"/>
+                <a:sym typeface="Wingdings" panose="05000000000000000000" pitchFamily="2" charset="2"/>
+              </a:rPr>
+              <a:t> </a:t>
+            </a:r>
+            <a:r>
+              <a:rPr lang="en-US" sz="2199" dirty="0" err="1">
+                <a:solidFill>
+                  <a:srgbClr val="000000"/>
+                </a:solidFill>
+                <a:latin typeface="Cabin" panose="020B0604020202020204" charset="0"/>
+                <a:sym typeface="Wingdings" panose="05000000000000000000" pitchFamily="2" charset="2"/>
+              </a:rPr>
+              <a:t>độ</a:t>
+            </a:r>
+            <a:r>
+              <a:rPr lang="en-US" sz="2199" dirty="0">
+                <a:solidFill>
+                  <a:srgbClr val="000000"/>
+                </a:solidFill>
+                <a:latin typeface="Cabin" panose="020B0604020202020204" charset="0"/>
+                <a:sym typeface="Wingdings" panose="05000000000000000000" pitchFamily="2" charset="2"/>
+              </a:rPr>
+              <a:t> </a:t>
+            </a:r>
+            <a:r>
+              <a:rPr lang="en-US" sz="2199" dirty="0" err="1">
+                <a:solidFill>
+                  <a:srgbClr val="000000"/>
+                </a:solidFill>
+                <a:latin typeface="Cabin" panose="020B0604020202020204" charset="0"/>
+                <a:sym typeface="Wingdings" panose="05000000000000000000" pitchFamily="2" charset="2"/>
+              </a:rPr>
+              <a:t>hiển</a:t>
+            </a:r>
+            <a:r>
+              <a:rPr lang="en-US" sz="2199" dirty="0">
+                <a:solidFill>
+                  <a:srgbClr val="000000"/>
+                </a:solidFill>
+                <a:latin typeface="Cabin" panose="020B0604020202020204" charset="0"/>
+                <a:sym typeface="Wingdings" panose="05000000000000000000" pitchFamily="2" charset="2"/>
+              </a:rPr>
+              <a:t> </a:t>
+            </a:r>
+            <a:r>
+              <a:rPr lang="en-US" sz="2199" dirty="0" err="1">
+                <a:solidFill>
+                  <a:srgbClr val="000000"/>
+                </a:solidFill>
+                <a:latin typeface="Cabin" panose="020B0604020202020204" charset="0"/>
+                <a:sym typeface="Wingdings" panose="05000000000000000000" pitchFamily="2" charset="2"/>
+              </a:rPr>
+              <a:t>thị</a:t>
+            </a:r>
+            <a:r>
+              <a:rPr lang="en-US" sz="2199" dirty="0">
+                <a:solidFill>
+                  <a:srgbClr val="000000"/>
+                </a:solidFill>
+                <a:latin typeface="Cabin" panose="020B0604020202020204" charset="0"/>
+                <a:sym typeface="Wingdings" panose="05000000000000000000" pitchFamily="2" charset="2"/>
+              </a:rPr>
+              <a:t> </a:t>
+            </a:r>
+            <a:r>
+              <a:rPr lang="en-US" sz="2199" dirty="0" err="1">
+                <a:solidFill>
+                  <a:srgbClr val="000000"/>
+                </a:solidFill>
+                <a:latin typeface="Cabin" panose="020B0604020202020204" charset="0"/>
+                <a:sym typeface="Wingdings" panose="05000000000000000000" pitchFamily="2" charset="2"/>
+              </a:rPr>
+              <a:t>trang</a:t>
+            </a:r>
+            <a:r>
+              <a:rPr lang="en-US" sz="2199" dirty="0">
+                <a:solidFill>
+                  <a:srgbClr val="000000"/>
+                </a:solidFill>
+                <a:latin typeface="Cabin" panose="020B0604020202020204" charset="0"/>
+                <a:sym typeface="Wingdings" panose="05000000000000000000" pitchFamily="2" charset="2"/>
+              </a:rPr>
+              <a:t> wed </a:t>
+            </a:r>
+            <a:endParaRPr lang="en-US" sz="2199" dirty="0">
+              <a:solidFill>
+                <a:srgbClr val="000000"/>
+              </a:solidFill>
+              <a:latin typeface="Cabin" panose="020B0604020202020204" charset="0"/>
+            </a:endParaRPr>
           </a:p>
         </p:txBody>
       </p:sp>
@@ -4956,10 +8394,10 @@
         </p:nvGrpSpPr>
         <p:grpSpPr>
           <a:xfrm>
-            <a:off x="333898" y="2774633"/>
-            <a:ext cx="6548260" cy="3965283"/>
-            <a:chOff x="0" y="0"/>
-            <a:chExt cx="8731014" cy="5287043"/>
+            <a:off x="321198" y="419100"/>
+            <a:ext cx="6560960" cy="6320817"/>
+            <a:chOff x="-16933" y="-3140710"/>
+            <a:chExt cx="8747947" cy="8427754"/>
           </a:xfrm>
         </p:grpSpPr>
         <p:sp>
@@ -4970,7 +8408,7 @@
           </p:nvSpPr>
           <p:spPr>
             <a:xfrm>
-              <a:off x="0" y="-2854"/>
+              <a:off x="-16933" y="-3140710"/>
               <a:ext cx="8731014" cy="1983569"/>
             </a:xfrm>
             <a:prstGeom prst="rect">
@@ -4989,7 +8427,7 @@
                 </a:lnSpc>
               </a:pPr>
               <a:r>
-                <a:rPr lang="en-US" sz="9775">
+                <a:rPr lang="en-US" sz="9775" dirty="0">
                   <a:solidFill>
                     <a:srgbClr val="102B30"/>
                   </a:solidFill>
@@ -5008,8 +8446,8 @@
           </p:nvSpPr>
           <p:spPr>
             <a:xfrm>
-              <a:off x="0" y="2469836"/>
-              <a:ext cx="8731014" cy="1522244"/>
+              <a:off x="-16933" y="-1354642"/>
+              <a:ext cx="8731014" cy="1544098"/>
             </a:xfrm>
             <a:prstGeom prst="rect">
               <a:avLst/>
@@ -5027,13 +8465,184 @@
                 </a:lnSpc>
               </a:pPr>
               <a:r>
-                <a:rPr lang="en-US" sz="3370">
+                <a:rPr lang="en-US" sz="3370" dirty="0" err="1">
                   <a:solidFill>
                     <a:srgbClr val="FF7C64"/>
                   </a:solidFill>
                   <a:latin typeface="Muli Semi-Bold"/>
                 </a:rPr>
-                <a:t>Viết mã Javascript ngay khi khai báo các thẻ html</a:t>
+                <a:t>Viết</a:t>
+              </a:r>
+              <a:r>
+                <a:rPr lang="en-US" sz="3370" dirty="0">
+                  <a:solidFill>
+                    <a:srgbClr val="FF7C64"/>
+                  </a:solidFill>
+                  <a:latin typeface="Muli Semi-Bold"/>
+                </a:rPr>
+                <a:t> </a:t>
+              </a:r>
+              <a:r>
+                <a:rPr lang="en-US" sz="3370" dirty="0" err="1">
+                  <a:solidFill>
+                    <a:srgbClr val="FF7C64"/>
+                  </a:solidFill>
+                  <a:latin typeface="Muli Semi-Bold"/>
+                </a:rPr>
+                <a:t>mã</a:t>
+              </a:r>
+              <a:r>
+                <a:rPr lang="en-US" sz="3370" dirty="0">
+                  <a:solidFill>
+                    <a:srgbClr val="FF7C64"/>
+                  </a:solidFill>
+                  <a:latin typeface="Muli Semi-Bold"/>
+                </a:rPr>
+                <a:t> </a:t>
+              </a:r>
+              <a:r>
+                <a:rPr lang="en-US" sz="3370" dirty="0" err="1">
+                  <a:solidFill>
+                    <a:srgbClr val="FF7C64"/>
+                  </a:solidFill>
+                  <a:latin typeface="Muli Semi-Bold"/>
+                </a:rPr>
+                <a:t>Javascript</a:t>
+              </a:r>
+              <a:r>
+                <a:rPr lang="en-US" sz="3370" dirty="0">
+                  <a:solidFill>
+                    <a:srgbClr val="FF7C64"/>
+                  </a:solidFill>
+                  <a:latin typeface="Muli Semi-Bold"/>
+                </a:rPr>
+                <a:t> </a:t>
+              </a:r>
+              <a:r>
+                <a:rPr lang="en-US" sz="3370" dirty="0" err="1">
+                  <a:solidFill>
+                    <a:srgbClr val="FF7C64"/>
+                  </a:solidFill>
+                  <a:latin typeface="Muli Semi-Bold"/>
+                </a:rPr>
+                <a:t>ngay</a:t>
+              </a:r>
+              <a:r>
+                <a:rPr lang="en-US" sz="3370" dirty="0">
+                  <a:solidFill>
+                    <a:srgbClr val="FF7C64"/>
+                  </a:solidFill>
+                  <a:latin typeface="Muli Semi-Bold"/>
+                </a:rPr>
+                <a:t> </a:t>
+              </a:r>
+              <a:r>
+                <a:rPr lang="en-US" sz="3370" dirty="0" err="1">
+                  <a:solidFill>
+                    <a:srgbClr val="FF7C64"/>
+                  </a:solidFill>
+                  <a:latin typeface="Muli Semi-Bold"/>
+                </a:rPr>
+                <a:t>khi</a:t>
+              </a:r>
+              <a:r>
+                <a:rPr lang="en-US" sz="3370" dirty="0">
+                  <a:solidFill>
+                    <a:srgbClr val="FF7C64"/>
+                  </a:solidFill>
+                  <a:latin typeface="Muli Semi-Bold"/>
+                </a:rPr>
+                <a:t> </a:t>
+              </a:r>
+              <a:r>
+                <a:rPr lang="en-US" sz="3370" dirty="0" err="1">
+                  <a:solidFill>
+                    <a:srgbClr val="FF7C64"/>
+                  </a:solidFill>
+                  <a:latin typeface="Muli Semi-Bold"/>
+                </a:rPr>
+                <a:t>khai</a:t>
+              </a:r>
+              <a:r>
+                <a:rPr lang="en-US" sz="3370" dirty="0">
+                  <a:solidFill>
+                    <a:srgbClr val="FF7C64"/>
+                  </a:solidFill>
+                  <a:latin typeface="Muli Semi-Bold"/>
+                </a:rPr>
+                <a:t> </a:t>
+              </a:r>
+              <a:r>
+                <a:rPr lang="en-US" sz="3370" dirty="0" err="1">
+                  <a:solidFill>
+                    <a:srgbClr val="FF7C64"/>
+                  </a:solidFill>
+                  <a:latin typeface="Muli Semi-Bold"/>
+                </a:rPr>
+                <a:t>báo</a:t>
+              </a:r>
+              <a:r>
+                <a:rPr lang="en-US" sz="3370" dirty="0">
+                  <a:solidFill>
+                    <a:srgbClr val="FF7C64"/>
+                  </a:solidFill>
+                  <a:latin typeface="Muli Semi-Bold"/>
+                </a:rPr>
+                <a:t> </a:t>
+              </a:r>
+              <a:r>
+                <a:rPr lang="en-US" sz="3370" dirty="0" err="1">
+                  <a:solidFill>
+                    <a:srgbClr val="FF7C64"/>
+                  </a:solidFill>
+                  <a:latin typeface="Muli Semi-Bold"/>
+                </a:rPr>
+                <a:t>các</a:t>
+              </a:r>
+              <a:r>
+                <a:rPr lang="en-US" sz="3370" dirty="0">
+                  <a:solidFill>
+                    <a:srgbClr val="FF7C64"/>
+                  </a:solidFill>
+                  <a:latin typeface="Muli Semi-Bold"/>
+                </a:rPr>
+                <a:t> </a:t>
+              </a:r>
+              <a:r>
+                <a:rPr lang="en-US" sz="3370" dirty="0" err="1">
+                  <a:solidFill>
+                    <a:srgbClr val="FF7C64"/>
+                  </a:solidFill>
+                  <a:latin typeface="Muli Semi-Bold"/>
+                </a:rPr>
+                <a:t>thẻ</a:t>
+              </a:r>
+              <a:r>
+                <a:rPr lang="en-US" sz="3370" dirty="0">
+                  <a:solidFill>
+                    <a:srgbClr val="FF7C64"/>
+                  </a:solidFill>
+                  <a:latin typeface="Muli Semi-Bold"/>
+                </a:rPr>
+                <a:t> </a:t>
+              </a:r>
+              <a:r>
+                <a:rPr lang="en-US" sz="3370" dirty="0" err="1">
+                  <a:solidFill>
+                    <a:srgbClr val="FF7C64"/>
+                  </a:solidFill>
+                  <a:latin typeface="Muli Semi-Bold"/>
+                </a:rPr>
+                <a:t>trong</a:t>
+              </a:r>
+              <a:r>
+                <a:rPr lang="en-US" sz="3370" dirty="0">
+                  <a:solidFill>
+                    <a:srgbClr val="FF7C64"/>
+                  </a:solidFill>
+                  <a:latin typeface="Muli Semi-Bold"/>
+                </a:rPr>
+                <a:t> html</a:t>
               </a:r>
             </a:p>
           </p:txBody>
@@ -5077,7 +8686,7 @@
         </p:nvSpPr>
         <p:spPr>
           <a:xfrm>
-            <a:off x="333898" y="6044906"/>
+            <a:off x="152400" y="3041738"/>
             <a:ext cx="6548260" cy="1544320"/>
           </a:xfrm>
           <a:prstGeom prst="rect">
@@ -5098,13 +8707,175 @@
               <a:buChar char="•"/>
             </a:pPr>
             <a:r>
-              <a:rPr lang="en-US" sz="2199">
-                <a:solidFill>
-                  <a:srgbClr val="000000"/>
-                </a:solidFill>
-                <a:latin typeface="Cabin"/>
-              </a:rPr>
-              <a:t>Trong ví dụ này chúng ta sử dụng sự kiện onclick để demo </a:t>
+              <a:rPr lang="en-US" sz="2199" dirty="0">
+                <a:solidFill>
+                  <a:srgbClr val="000000"/>
+                </a:solidFill>
+                <a:latin typeface="Cabin"/>
+              </a:rPr>
+              <a:t>Trong </a:t>
+            </a:r>
+            <a:r>
+              <a:rPr lang="en-US" sz="2199" dirty="0" err="1">
+                <a:solidFill>
+                  <a:srgbClr val="000000"/>
+                </a:solidFill>
+                <a:latin typeface="Cabin"/>
+              </a:rPr>
+              <a:t>ví</a:t>
+            </a:r>
+            <a:r>
+              <a:rPr lang="en-US" sz="2199" dirty="0">
+                <a:solidFill>
+                  <a:srgbClr val="000000"/>
+                </a:solidFill>
+                <a:latin typeface="Cabin"/>
+              </a:rPr>
+              <a:t> </a:t>
+            </a:r>
+            <a:r>
+              <a:rPr lang="en-US" sz="2199" dirty="0" err="1">
+                <a:solidFill>
+                  <a:srgbClr val="000000"/>
+                </a:solidFill>
+                <a:latin typeface="Cabin"/>
+              </a:rPr>
+              <a:t>dụ</a:t>
+            </a:r>
+            <a:r>
+              <a:rPr lang="en-US" sz="2199" dirty="0">
+                <a:solidFill>
+                  <a:srgbClr val="000000"/>
+                </a:solidFill>
+                <a:latin typeface="Cabin"/>
+              </a:rPr>
+              <a:t> </a:t>
+            </a:r>
+            <a:r>
+              <a:rPr lang="en-US" sz="2199" dirty="0" err="1">
+                <a:solidFill>
+                  <a:srgbClr val="000000"/>
+                </a:solidFill>
+                <a:latin typeface="Cabin"/>
+              </a:rPr>
+              <a:t>này</a:t>
+            </a:r>
+            <a:r>
+              <a:rPr lang="en-US" sz="2199" dirty="0">
+                <a:solidFill>
+                  <a:srgbClr val="000000"/>
+                </a:solidFill>
+                <a:latin typeface="Cabin"/>
+              </a:rPr>
+              <a:t> </a:t>
+            </a:r>
+            <a:r>
+              <a:rPr lang="en-US" sz="2199" dirty="0" err="1">
+                <a:solidFill>
+                  <a:srgbClr val="000000"/>
+                </a:solidFill>
+                <a:latin typeface="Cabin"/>
+              </a:rPr>
+              <a:t>chúng</a:t>
+            </a:r>
+            <a:r>
+              <a:rPr lang="en-US" sz="2199" dirty="0">
+                <a:solidFill>
+                  <a:srgbClr val="000000"/>
+                </a:solidFill>
+                <a:latin typeface="Cabin"/>
+              </a:rPr>
+              <a:t> ta </a:t>
+            </a:r>
+            <a:r>
+              <a:rPr lang="en-US" sz="2199" dirty="0" err="1">
+                <a:solidFill>
+                  <a:srgbClr val="000000"/>
+                </a:solidFill>
+                <a:latin typeface="Cabin"/>
+              </a:rPr>
+              <a:t>sử</a:t>
+            </a:r>
+            <a:r>
+              <a:rPr lang="en-US" sz="2199" dirty="0">
+                <a:solidFill>
+                  <a:srgbClr val="000000"/>
+                </a:solidFill>
+                <a:latin typeface="Cabin"/>
+              </a:rPr>
+              <a:t> </a:t>
+            </a:r>
+            <a:r>
+              <a:rPr lang="en-US" sz="2199" dirty="0" err="1">
+                <a:solidFill>
+                  <a:srgbClr val="000000"/>
+                </a:solidFill>
+                <a:latin typeface="Cabin"/>
+              </a:rPr>
+              <a:t>dụng</a:t>
+            </a:r>
+            <a:r>
+              <a:rPr lang="en-US" sz="2199" dirty="0">
+                <a:solidFill>
+                  <a:srgbClr val="000000"/>
+                </a:solidFill>
+                <a:latin typeface="Cabin"/>
+              </a:rPr>
+              <a:t> </a:t>
+            </a:r>
+            <a:r>
+              <a:rPr lang="en-US" sz="2199" dirty="0" err="1">
+                <a:solidFill>
+                  <a:srgbClr val="000000"/>
+                </a:solidFill>
+                <a:latin typeface="Cabin"/>
+              </a:rPr>
+              <a:t>sự</a:t>
+            </a:r>
+            <a:r>
+              <a:rPr lang="en-US" sz="2199" dirty="0">
+                <a:solidFill>
+                  <a:srgbClr val="000000"/>
+                </a:solidFill>
+                <a:latin typeface="Cabin"/>
+              </a:rPr>
+              <a:t> </a:t>
+            </a:r>
+            <a:r>
+              <a:rPr lang="en-US" sz="2199" dirty="0" err="1">
+                <a:solidFill>
+                  <a:srgbClr val="000000"/>
+                </a:solidFill>
+                <a:latin typeface="Cabin"/>
+              </a:rPr>
+              <a:t>kiện</a:t>
+            </a:r>
+            <a:r>
+              <a:rPr lang="en-US" sz="2199" dirty="0">
+                <a:solidFill>
+                  <a:srgbClr val="000000"/>
+                </a:solidFill>
+                <a:latin typeface="Cabin"/>
+              </a:rPr>
+              <a:t> onclick </a:t>
+            </a:r>
+            <a:r>
+              <a:rPr lang="en-US" sz="2199" dirty="0" err="1">
+                <a:solidFill>
+                  <a:srgbClr val="000000"/>
+                </a:solidFill>
+                <a:latin typeface="Cabin"/>
+              </a:rPr>
+              <a:t>để</a:t>
+            </a:r>
+            <a:r>
+              <a:rPr lang="en-US" sz="2199" dirty="0">
+                <a:solidFill>
+                  <a:srgbClr val="000000"/>
+                </a:solidFill>
+                <a:latin typeface="Cabin"/>
+              </a:rPr>
+              <a:t> demo </a:t>
             </a:r>
           </a:p>
           <a:p>
@@ -5119,14 +8890,1393 @@
               <a:buChar char="•"/>
             </a:pPr>
             <a:r>
-              <a:rPr lang="en-US" sz="2199">
-                <a:solidFill>
-                  <a:srgbClr val="000000"/>
-                </a:solidFill>
-                <a:latin typeface="Cabin"/>
-              </a:rPr>
-              <a:t>Có nhiều sự kiện khác như onchange , onmouseout ,onmouseover,.......</a:t>
-            </a:r>
+              <a:rPr lang="en-US" sz="2199" dirty="0" err="1">
+                <a:solidFill>
+                  <a:srgbClr val="000000"/>
+                </a:solidFill>
+                <a:latin typeface="Cabin"/>
+              </a:rPr>
+              <a:t>Có</a:t>
+            </a:r>
+            <a:r>
+              <a:rPr lang="en-US" sz="2199" dirty="0">
+                <a:solidFill>
+                  <a:srgbClr val="000000"/>
+                </a:solidFill>
+                <a:latin typeface="Cabin"/>
+              </a:rPr>
+              <a:t> </a:t>
+            </a:r>
+            <a:r>
+              <a:rPr lang="en-US" sz="2199" dirty="0" err="1">
+                <a:solidFill>
+                  <a:srgbClr val="000000"/>
+                </a:solidFill>
+                <a:latin typeface="Cabin"/>
+              </a:rPr>
+              <a:t>nhiều</a:t>
+            </a:r>
+            <a:r>
+              <a:rPr lang="en-US" sz="2199" dirty="0">
+                <a:solidFill>
+                  <a:srgbClr val="000000"/>
+                </a:solidFill>
+                <a:latin typeface="Cabin"/>
+              </a:rPr>
+              <a:t> </a:t>
+            </a:r>
+            <a:r>
+              <a:rPr lang="en-US" sz="2199" dirty="0" err="1">
+                <a:solidFill>
+                  <a:srgbClr val="000000"/>
+                </a:solidFill>
+                <a:latin typeface="Cabin"/>
+              </a:rPr>
+              <a:t>sự</a:t>
+            </a:r>
+            <a:r>
+              <a:rPr lang="en-US" sz="2199" dirty="0">
+                <a:solidFill>
+                  <a:srgbClr val="000000"/>
+                </a:solidFill>
+                <a:latin typeface="Cabin"/>
+              </a:rPr>
+              <a:t> </a:t>
+            </a:r>
+            <a:r>
+              <a:rPr lang="en-US" sz="2199" dirty="0" err="1">
+                <a:solidFill>
+                  <a:srgbClr val="000000"/>
+                </a:solidFill>
+                <a:latin typeface="Cabin"/>
+              </a:rPr>
+              <a:t>kiện</a:t>
+            </a:r>
+            <a:r>
+              <a:rPr lang="en-US" sz="2199" dirty="0">
+                <a:solidFill>
+                  <a:srgbClr val="000000"/>
+                </a:solidFill>
+                <a:latin typeface="Cabin"/>
+              </a:rPr>
+              <a:t> </a:t>
+            </a:r>
+            <a:r>
+              <a:rPr lang="en-US" sz="2199" dirty="0" err="1">
+                <a:solidFill>
+                  <a:srgbClr val="000000"/>
+                </a:solidFill>
+                <a:latin typeface="Cabin"/>
+              </a:rPr>
+              <a:t>khác</a:t>
+            </a:r>
+            <a:r>
+              <a:rPr lang="en-US" sz="2199" dirty="0">
+                <a:solidFill>
+                  <a:srgbClr val="000000"/>
+                </a:solidFill>
+                <a:latin typeface="Cabin"/>
+              </a:rPr>
+              <a:t> </a:t>
+            </a:r>
+            <a:r>
+              <a:rPr lang="en-US" sz="2199" dirty="0" err="1">
+                <a:solidFill>
+                  <a:srgbClr val="000000"/>
+                </a:solidFill>
+                <a:latin typeface="Cabin"/>
+              </a:rPr>
+              <a:t>như</a:t>
+            </a:r>
+            <a:r>
+              <a:rPr lang="en-US" sz="2199" dirty="0">
+                <a:solidFill>
+                  <a:srgbClr val="000000"/>
+                </a:solidFill>
+                <a:latin typeface="Cabin"/>
+              </a:rPr>
+              <a:t> </a:t>
+            </a:r>
+            <a:r>
+              <a:rPr lang="en-US" sz="2199" dirty="0" err="1">
+                <a:solidFill>
+                  <a:srgbClr val="000000"/>
+                </a:solidFill>
+                <a:latin typeface="Cabin"/>
+              </a:rPr>
+              <a:t>onchange</a:t>
+            </a:r>
+            <a:r>
+              <a:rPr lang="en-US" sz="2199" dirty="0">
+                <a:solidFill>
+                  <a:srgbClr val="000000"/>
+                </a:solidFill>
+                <a:latin typeface="Cabin"/>
+              </a:rPr>
+              <a:t> , </a:t>
+            </a:r>
+            <a:r>
+              <a:rPr lang="en-US" sz="2199" dirty="0" err="1">
+                <a:solidFill>
+                  <a:srgbClr val="000000"/>
+                </a:solidFill>
+                <a:latin typeface="Cabin"/>
+              </a:rPr>
+              <a:t>onmouseout</a:t>
+            </a:r>
+            <a:r>
+              <a:rPr lang="en-US" sz="2199" dirty="0">
+                <a:solidFill>
+                  <a:srgbClr val="000000"/>
+                </a:solidFill>
+                <a:latin typeface="Cabin"/>
+              </a:rPr>
+              <a:t> ,</a:t>
+            </a:r>
+            <a:r>
+              <a:rPr lang="en-US" sz="2199" dirty="0" err="1">
+                <a:solidFill>
+                  <a:srgbClr val="000000"/>
+                </a:solidFill>
+                <a:latin typeface="Cabin"/>
+              </a:rPr>
+              <a:t>onmouseover</a:t>
+            </a:r>
+            <a:r>
+              <a:rPr lang="en-US" sz="2199" dirty="0">
+                <a:solidFill>
+                  <a:srgbClr val="000000"/>
+                </a:solidFill>
+                <a:latin typeface="Cabin"/>
+              </a:rPr>
+              <a:t>,.......</a:t>
+            </a:r>
+          </a:p>
+        </p:txBody>
+      </p:sp>
+      <p:sp>
+        <p:nvSpPr>
+          <p:cNvPr id="8" name="TextBox 7">
+            <a:extLst>
+              <a:ext uri="{FF2B5EF4-FFF2-40B4-BE49-F238E27FC236}">
+                <a16:creationId xmlns:a16="http://schemas.microsoft.com/office/drawing/2014/main" id="{5E4F0963-AE04-66D2-C955-1130B345807D}"/>
+              </a:ext>
+            </a:extLst>
+          </p:cNvPr>
+          <p:cNvSpPr txBox="1"/>
+          <p:nvPr/>
+        </p:nvSpPr>
+        <p:spPr>
+          <a:xfrm>
+            <a:off x="193577" y="4711356"/>
+            <a:ext cx="6828902" cy="1560427"/>
+          </a:xfrm>
+          <a:prstGeom prst="rect">
+            <a:avLst/>
+          </a:prstGeom>
+        </p:spPr>
+        <p:txBody>
+          <a:bodyPr wrap="square" lIns="0" tIns="0" rIns="0" bIns="0" rtlCol="0" anchor="t">
+            <a:spAutoFit/>
+          </a:bodyPr>
+          <a:lstStyle/>
+          <a:p>
+            <a:pPr marL="474979" lvl="1" indent="-237490">
+              <a:lnSpc>
+                <a:spcPts val="3079"/>
+              </a:lnSpc>
+              <a:spcBef>
+                <a:spcPct val="0"/>
+              </a:spcBef>
+              <a:buFont typeface="Arial"/>
+              <a:buChar char="•"/>
+            </a:pPr>
+            <a:r>
+              <a:rPr lang="en-US" sz="2199" dirty="0" err="1">
+                <a:solidFill>
+                  <a:srgbClr val="000000"/>
+                </a:solidFill>
+                <a:latin typeface="Cabin"/>
+              </a:rPr>
+              <a:t>Ưu</a:t>
+            </a:r>
+            <a:r>
+              <a:rPr lang="en-US" sz="2199" dirty="0">
+                <a:solidFill>
+                  <a:srgbClr val="000000"/>
+                </a:solidFill>
+                <a:latin typeface="Cabin"/>
+              </a:rPr>
+              <a:t> </a:t>
+            </a:r>
+            <a:r>
+              <a:rPr lang="en-US" sz="2199" dirty="0" err="1">
+                <a:solidFill>
+                  <a:srgbClr val="000000"/>
+                </a:solidFill>
+                <a:latin typeface="Cabin"/>
+              </a:rPr>
+              <a:t>điểm</a:t>
+            </a:r>
+            <a:r>
+              <a:rPr lang="en-US" sz="2199" dirty="0">
+                <a:solidFill>
+                  <a:srgbClr val="000000"/>
+                </a:solidFill>
+                <a:latin typeface="Cabin"/>
+              </a:rPr>
+              <a:t> : </a:t>
+            </a:r>
+          </a:p>
+          <a:p>
+            <a:pPr marL="237489" lvl="1">
+              <a:lnSpc>
+                <a:spcPts val="3079"/>
+              </a:lnSpc>
+              <a:spcBef>
+                <a:spcPct val="0"/>
+              </a:spcBef>
+            </a:pPr>
+            <a:r>
+              <a:rPr lang="en-US" sz="2199" dirty="0">
+                <a:solidFill>
+                  <a:srgbClr val="000000"/>
+                </a:solidFill>
+                <a:latin typeface="Cabin"/>
+              </a:rPr>
+              <a:t> - </a:t>
+            </a:r>
+            <a:r>
+              <a:rPr lang="en-US" sz="2199" dirty="0" err="1">
+                <a:solidFill>
+                  <a:srgbClr val="000000"/>
+                </a:solidFill>
+                <a:latin typeface="Cabin"/>
+              </a:rPr>
+              <a:t>dễ</a:t>
+            </a:r>
+            <a:r>
+              <a:rPr lang="en-US" sz="2199" dirty="0">
+                <a:solidFill>
+                  <a:srgbClr val="000000"/>
+                </a:solidFill>
+                <a:latin typeface="Cabin"/>
+              </a:rPr>
+              <a:t> </a:t>
+            </a:r>
+            <a:r>
+              <a:rPr lang="en-US" sz="2199" dirty="0" err="1">
+                <a:solidFill>
+                  <a:srgbClr val="000000"/>
+                </a:solidFill>
+                <a:latin typeface="Cabin"/>
+              </a:rPr>
+              <a:t>dàng</a:t>
+            </a:r>
+            <a:r>
+              <a:rPr lang="en-US" sz="2199" dirty="0">
+                <a:solidFill>
+                  <a:srgbClr val="000000"/>
+                </a:solidFill>
+                <a:latin typeface="Cabin"/>
+              </a:rPr>
+              <a:t> </a:t>
+            </a:r>
+            <a:r>
+              <a:rPr lang="en-US" sz="2199" dirty="0" err="1">
+                <a:solidFill>
+                  <a:srgbClr val="000000"/>
+                </a:solidFill>
+                <a:latin typeface="Cabin"/>
+              </a:rPr>
+              <a:t>thực</a:t>
+            </a:r>
+            <a:r>
+              <a:rPr lang="en-US" sz="2199" dirty="0">
+                <a:solidFill>
+                  <a:srgbClr val="000000"/>
+                </a:solidFill>
+                <a:latin typeface="Cabin"/>
+              </a:rPr>
+              <a:t> </a:t>
+            </a:r>
+            <a:r>
+              <a:rPr lang="en-US" sz="2199" dirty="0" err="1">
+                <a:solidFill>
+                  <a:srgbClr val="000000"/>
+                </a:solidFill>
+                <a:latin typeface="Cabin"/>
+              </a:rPr>
+              <a:t>hiện</a:t>
+            </a:r>
+            <a:r>
+              <a:rPr lang="en-US" sz="2199" dirty="0">
+                <a:solidFill>
+                  <a:srgbClr val="000000"/>
+                </a:solidFill>
+                <a:latin typeface="Cabin"/>
+              </a:rPr>
+              <a:t> </a:t>
+            </a:r>
+            <a:r>
+              <a:rPr lang="en-US" sz="2199" dirty="0" err="1">
+                <a:solidFill>
+                  <a:srgbClr val="000000"/>
+                </a:solidFill>
+                <a:latin typeface="Cabin"/>
+              </a:rPr>
+              <a:t>với</a:t>
+            </a:r>
+            <a:r>
+              <a:rPr lang="en-US" sz="2199" dirty="0">
+                <a:solidFill>
+                  <a:srgbClr val="000000"/>
+                </a:solidFill>
+                <a:latin typeface="Cabin"/>
+              </a:rPr>
+              <a:t> </a:t>
+            </a:r>
+            <a:r>
+              <a:rPr lang="en-US" sz="2199" dirty="0" err="1">
+                <a:solidFill>
+                  <a:srgbClr val="000000"/>
+                </a:solidFill>
+                <a:latin typeface="Cabin"/>
+              </a:rPr>
+              <a:t>các</a:t>
+            </a:r>
+            <a:r>
+              <a:rPr lang="en-US" sz="2199" dirty="0">
+                <a:solidFill>
+                  <a:srgbClr val="000000"/>
+                </a:solidFill>
+                <a:latin typeface="Cabin"/>
+              </a:rPr>
+              <a:t> </a:t>
+            </a:r>
+            <a:r>
+              <a:rPr lang="en-US" sz="2199" dirty="0" err="1">
+                <a:solidFill>
+                  <a:srgbClr val="000000"/>
+                </a:solidFill>
+                <a:latin typeface="Cabin"/>
+              </a:rPr>
+              <a:t>dự</a:t>
+            </a:r>
+            <a:r>
+              <a:rPr lang="en-US" sz="2199" dirty="0">
+                <a:solidFill>
+                  <a:srgbClr val="000000"/>
+                </a:solidFill>
+                <a:latin typeface="Cabin"/>
+              </a:rPr>
+              <a:t> </a:t>
+            </a:r>
+            <a:r>
+              <a:rPr lang="en-US" sz="2199" dirty="0" err="1">
+                <a:solidFill>
+                  <a:srgbClr val="000000"/>
+                </a:solidFill>
+                <a:latin typeface="Cabin"/>
+              </a:rPr>
+              <a:t>án</a:t>
+            </a:r>
+            <a:r>
+              <a:rPr lang="en-US" sz="2199" dirty="0">
+                <a:solidFill>
+                  <a:srgbClr val="000000"/>
+                </a:solidFill>
+                <a:latin typeface="Cabin"/>
+              </a:rPr>
+              <a:t> </a:t>
+            </a:r>
+            <a:r>
+              <a:rPr lang="en-US" sz="2199" dirty="0" err="1">
+                <a:solidFill>
+                  <a:srgbClr val="000000"/>
+                </a:solidFill>
+                <a:latin typeface="Cabin"/>
+              </a:rPr>
+              <a:t>nhỏ</a:t>
+            </a:r>
+            <a:endParaRPr lang="en-US" sz="2199" dirty="0">
+              <a:solidFill>
+                <a:srgbClr val="000000"/>
+              </a:solidFill>
+              <a:latin typeface="Cabin"/>
+            </a:endParaRPr>
+          </a:p>
+          <a:p>
+            <a:pPr marL="237489" lvl="1">
+              <a:lnSpc>
+                <a:spcPts val="3079"/>
+              </a:lnSpc>
+              <a:spcBef>
+                <a:spcPct val="0"/>
+              </a:spcBef>
+            </a:pPr>
+            <a:r>
+              <a:rPr lang="en-US" sz="2199" dirty="0">
+                <a:solidFill>
+                  <a:srgbClr val="000000"/>
+                </a:solidFill>
+                <a:latin typeface="Cabin"/>
+              </a:rPr>
+              <a:t> - </a:t>
+            </a:r>
+            <a:r>
+              <a:rPr lang="en-US" sz="2199" dirty="0" err="1">
+                <a:solidFill>
+                  <a:srgbClr val="000000"/>
+                </a:solidFill>
+                <a:latin typeface="Cabin"/>
+              </a:rPr>
+              <a:t>tiết</a:t>
+            </a:r>
+            <a:r>
+              <a:rPr lang="en-US" sz="2199" dirty="0">
+                <a:solidFill>
+                  <a:srgbClr val="000000"/>
+                </a:solidFill>
+                <a:latin typeface="Cabin"/>
+              </a:rPr>
+              <a:t> </a:t>
+            </a:r>
+            <a:r>
+              <a:rPr lang="en-US" sz="2199" dirty="0" err="1">
+                <a:solidFill>
+                  <a:srgbClr val="000000"/>
+                </a:solidFill>
+                <a:latin typeface="Cabin"/>
+              </a:rPr>
+              <a:t>kiệm</a:t>
+            </a:r>
+            <a:r>
+              <a:rPr lang="en-US" sz="2199" dirty="0">
+                <a:solidFill>
+                  <a:srgbClr val="000000"/>
+                </a:solidFill>
+                <a:latin typeface="Cabin"/>
+              </a:rPr>
+              <a:t> </a:t>
+            </a:r>
+            <a:r>
+              <a:rPr lang="en-US" sz="2199" dirty="0" err="1">
+                <a:solidFill>
+                  <a:srgbClr val="000000"/>
+                </a:solidFill>
+                <a:latin typeface="Cabin"/>
+              </a:rPr>
+              <a:t>thời</a:t>
+            </a:r>
+            <a:r>
+              <a:rPr lang="en-US" sz="2199" dirty="0">
+                <a:solidFill>
+                  <a:srgbClr val="000000"/>
+                </a:solidFill>
+                <a:latin typeface="Cabin"/>
+              </a:rPr>
+              <a:t> </a:t>
+            </a:r>
+            <a:r>
+              <a:rPr lang="en-US" sz="2199" dirty="0" err="1">
+                <a:solidFill>
+                  <a:srgbClr val="000000"/>
+                </a:solidFill>
+                <a:latin typeface="Cabin"/>
+              </a:rPr>
+              <a:t>gian</a:t>
+            </a:r>
+            <a:r>
+              <a:rPr lang="en-US" sz="2199" dirty="0">
+                <a:solidFill>
+                  <a:srgbClr val="000000"/>
+                </a:solidFill>
+                <a:latin typeface="Cabin"/>
+              </a:rPr>
+              <a:t>      </a:t>
+            </a:r>
+          </a:p>
+          <a:p>
+            <a:pPr marL="237489" lvl="1">
+              <a:lnSpc>
+                <a:spcPts val="3079"/>
+              </a:lnSpc>
+              <a:spcBef>
+                <a:spcPct val="0"/>
+              </a:spcBef>
+            </a:pPr>
+            <a:r>
+              <a:rPr lang="en-US" sz="2199" dirty="0">
+                <a:solidFill>
+                  <a:srgbClr val="000000"/>
+                </a:solidFill>
+                <a:latin typeface="Cabin"/>
+              </a:rPr>
+              <a:t> -  </a:t>
+            </a:r>
+            <a:r>
+              <a:rPr lang="en-US" sz="2199" dirty="0" err="1">
+                <a:solidFill>
+                  <a:srgbClr val="000000"/>
+                </a:solidFill>
+                <a:latin typeface="Cabin"/>
+              </a:rPr>
+              <a:t>tối</a:t>
+            </a:r>
+            <a:r>
+              <a:rPr lang="en-US" sz="2199" dirty="0">
+                <a:solidFill>
+                  <a:srgbClr val="000000"/>
+                </a:solidFill>
+                <a:latin typeface="Cabin"/>
+              </a:rPr>
+              <a:t> </a:t>
+            </a:r>
+            <a:r>
+              <a:rPr lang="en-US" sz="2199" dirty="0" err="1">
+                <a:solidFill>
+                  <a:srgbClr val="000000"/>
+                </a:solidFill>
+                <a:latin typeface="Cabin"/>
+              </a:rPr>
+              <a:t>ưu</a:t>
+            </a:r>
+            <a:r>
+              <a:rPr lang="en-US" sz="2199" dirty="0">
+                <a:solidFill>
+                  <a:srgbClr val="000000"/>
+                </a:solidFill>
+                <a:latin typeface="Cabin"/>
+              </a:rPr>
+              <a:t> </a:t>
+            </a:r>
+            <a:r>
+              <a:rPr lang="en-US" sz="2199" dirty="0" err="1">
+                <a:solidFill>
+                  <a:srgbClr val="000000"/>
+                </a:solidFill>
+                <a:latin typeface="Cabin"/>
+              </a:rPr>
+              <a:t>hóa</a:t>
+            </a:r>
+            <a:r>
+              <a:rPr lang="en-US" sz="2199" dirty="0">
+                <a:solidFill>
+                  <a:srgbClr val="000000"/>
+                </a:solidFill>
+                <a:latin typeface="Cabin"/>
+              </a:rPr>
+              <a:t> </a:t>
+            </a:r>
+            <a:r>
+              <a:rPr lang="en-US" sz="2199" dirty="0" err="1">
+                <a:solidFill>
+                  <a:srgbClr val="000000"/>
+                </a:solidFill>
+                <a:latin typeface="Cabin"/>
+              </a:rPr>
+              <a:t>được</a:t>
+            </a:r>
+            <a:r>
+              <a:rPr lang="en-US" sz="2199" dirty="0">
+                <a:solidFill>
+                  <a:srgbClr val="000000"/>
+                </a:solidFill>
+                <a:latin typeface="Cabin"/>
+              </a:rPr>
+              <a:t> </a:t>
+            </a:r>
+            <a:r>
+              <a:rPr lang="en-US" sz="2199" dirty="0" err="1">
+                <a:solidFill>
+                  <a:srgbClr val="000000"/>
+                </a:solidFill>
+                <a:latin typeface="Cabin"/>
+              </a:rPr>
+              <a:t>quá</a:t>
+            </a:r>
+            <a:r>
+              <a:rPr lang="en-US" sz="2199" dirty="0">
+                <a:solidFill>
+                  <a:srgbClr val="000000"/>
+                </a:solidFill>
+                <a:latin typeface="Cabin"/>
+              </a:rPr>
+              <a:t> </a:t>
+            </a:r>
+            <a:r>
+              <a:rPr lang="en-US" sz="2199" dirty="0" err="1">
+                <a:solidFill>
+                  <a:srgbClr val="000000"/>
+                </a:solidFill>
+                <a:latin typeface="Cabin"/>
+              </a:rPr>
+              <a:t>trình</a:t>
+            </a:r>
+            <a:r>
+              <a:rPr lang="en-US" sz="2199" dirty="0">
+                <a:solidFill>
+                  <a:srgbClr val="000000"/>
+                </a:solidFill>
+                <a:latin typeface="Cabin"/>
+              </a:rPr>
+              <a:t> load </a:t>
+            </a:r>
+            <a:r>
+              <a:rPr lang="en-US" sz="2199" dirty="0" err="1">
+                <a:solidFill>
+                  <a:srgbClr val="000000"/>
+                </a:solidFill>
+                <a:latin typeface="Cabin"/>
+              </a:rPr>
+              <a:t>trang</a:t>
+            </a:r>
+            <a:r>
+              <a:rPr lang="en-US" sz="2199" dirty="0">
+                <a:solidFill>
+                  <a:srgbClr val="000000"/>
+                </a:solidFill>
+                <a:latin typeface="Cabin"/>
+              </a:rPr>
+              <a:t> wed</a:t>
+            </a:r>
+          </a:p>
+        </p:txBody>
+      </p:sp>
+      <p:sp>
+        <p:nvSpPr>
+          <p:cNvPr id="9" name="TextBox 8">
+            <a:extLst>
+              <a:ext uri="{FF2B5EF4-FFF2-40B4-BE49-F238E27FC236}">
+                <a16:creationId xmlns:a16="http://schemas.microsoft.com/office/drawing/2014/main" id="{AFADECFC-4011-340A-BDE8-21390B66B772}"/>
+              </a:ext>
+            </a:extLst>
+          </p:cNvPr>
+          <p:cNvSpPr txBox="1"/>
+          <p:nvPr/>
+        </p:nvSpPr>
+        <p:spPr>
+          <a:xfrm>
+            <a:off x="206277" y="6654451"/>
+            <a:ext cx="6828902" cy="2355517"/>
+          </a:xfrm>
+          <a:prstGeom prst="rect">
+            <a:avLst/>
+          </a:prstGeom>
+        </p:spPr>
+        <p:txBody>
+          <a:bodyPr wrap="square" lIns="0" tIns="0" rIns="0" bIns="0" rtlCol="0" anchor="t">
+            <a:spAutoFit/>
+          </a:bodyPr>
+          <a:lstStyle/>
+          <a:p>
+            <a:pPr marL="474979" lvl="1" indent="-237490">
+              <a:lnSpc>
+                <a:spcPts val="3079"/>
+              </a:lnSpc>
+              <a:spcBef>
+                <a:spcPct val="0"/>
+              </a:spcBef>
+              <a:buFont typeface="Arial"/>
+              <a:buChar char="•"/>
+            </a:pPr>
+            <a:r>
+              <a:rPr lang="en-US" sz="2199" dirty="0" err="1">
+                <a:solidFill>
+                  <a:srgbClr val="000000"/>
+                </a:solidFill>
+                <a:latin typeface="Cabin"/>
+              </a:rPr>
+              <a:t>Nhược</a:t>
+            </a:r>
+            <a:r>
+              <a:rPr lang="en-US" sz="2199" dirty="0">
+                <a:solidFill>
+                  <a:srgbClr val="000000"/>
+                </a:solidFill>
+                <a:latin typeface="Cabin"/>
+              </a:rPr>
+              <a:t> </a:t>
+            </a:r>
+            <a:r>
+              <a:rPr lang="en-US" sz="2199" dirty="0" err="1">
+                <a:solidFill>
+                  <a:srgbClr val="000000"/>
+                </a:solidFill>
+                <a:latin typeface="Cabin"/>
+              </a:rPr>
+              <a:t>điểm</a:t>
+            </a:r>
+            <a:r>
+              <a:rPr lang="en-US" sz="2199" dirty="0">
+                <a:solidFill>
+                  <a:srgbClr val="000000"/>
+                </a:solidFill>
+                <a:latin typeface="Cabin"/>
+              </a:rPr>
+              <a:t> : </a:t>
+            </a:r>
+          </a:p>
+          <a:p>
+            <a:pPr marL="237489" lvl="1">
+              <a:lnSpc>
+                <a:spcPts val="3079"/>
+              </a:lnSpc>
+              <a:spcBef>
+                <a:spcPct val="0"/>
+              </a:spcBef>
+            </a:pPr>
+            <a:r>
+              <a:rPr lang="en-US" sz="2199" dirty="0">
+                <a:solidFill>
+                  <a:srgbClr val="000000"/>
+                </a:solidFill>
+                <a:latin typeface="Cabin"/>
+              </a:rPr>
+              <a:t>- </a:t>
+            </a:r>
+            <a:r>
+              <a:rPr lang="en-US" sz="2199" dirty="0" err="1">
+                <a:solidFill>
+                  <a:srgbClr val="000000"/>
+                </a:solidFill>
+                <a:latin typeface="Cabin"/>
+              </a:rPr>
+              <a:t>Khó</a:t>
+            </a:r>
+            <a:r>
+              <a:rPr lang="en-US" sz="2199" dirty="0">
+                <a:solidFill>
+                  <a:srgbClr val="000000"/>
+                </a:solidFill>
+                <a:latin typeface="Cabin"/>
+              </a:rPr>
+              <a:t> </a:t>
+            </a:r>
+            <a:r>
+              <a:rPr lang="en-US" sz="2199" dirty="0" err="1">
+                <a:solidFill>
+                  <a:srgbClr val="000000"/>
+                </a:solidFill>
+                <a:latin typeface="Cabin"/>
+              </a:rPr>
+              <a:t>quản</a:t>
+            </a:r>
+            <a:r>
+              <a:rPr lang="en-US" sz="2199" dirty="0">
+                <a:solidFill>
+                  <a:srgbClr val="000000"/>
+                </a:solidFill>
+                <a:latin typeface="Cabin"/>
+              </a:rPr>
+              <a:t> </a:t>
+            </a:r>
+            <a:r>
+              <a:rPr lang="en-US" sz="2199" dirty="0" err="1">
+                <a:solidFill>
+                  <a:srgbClr val="000000"/>
+                </a:solidFill>
+                <a:latin typeface="Cabin"/>
+              </a:rPr>
+              <a:t>lí</a:t>
+            </a:r>
+            <a:r>
+              <a:rPr lang="en-US" sz="2199" dirty="0">
+                <a:solidFill>
+                  <a:srgbClr val="000000"/>
+                </a:solidFill>
+                <a:latin typeface="Cabin"/>
+              </a:rPr>
+              <a:t> </a:t>
+            </a:r>
+            <a:r>
+              <a:rPr lang="en-US" sz="2199" dirty="0" err="1">
+                <a:solidFill>
+                  <a:srgbClr val="000000"/>
+                </a:solidFill>
+                <a:latin typeface="Cabin"/>
+              </a:rPr>
+              <a:t>mã</a:t>
+            </a:r>
+            <a:r>
+              <a:rPr lang="en-US" sz="2199" dirty="0">
+                <a:solidFill>
+                  <a:srgbClr val="000000"/>
+                </a:solidFill>
+                <a:latin typeface="Cabin"/>
+              </a:rPr>
+              <a:t> : </a:t>
+            </a:r>
+            <a:r>
+              <a:rPr lang="en-US" sz="2199" dirty="0" err="1">
+                <a:solidFill>
+                  <a:srgbClr val="000000"/>
+                </a:solidFill>
+                <a:latin typeface="Cabin"/>
+              </a:rPr>
+              <a:t>dự</a:t>
+            </a:r>
+            <a:r>
+              <a:rPr lang="en-US" sz="2199" dirty="0">
+                <a:solidFill>
+                  <a:srgbClr val="000000"/>
+                </a:solidFill>
+                <a:latin typeface="Cabin"/>
+              </a:rPr>
+              <a:t> </a:t>
+            </a:r>
+            <a:r>
+              <a:rPr lang="en-US" sz="2199" dirty="0" err="1">
+                <a:solidFill>
+                  <a:srgbClr val="000000"/>
+                </a:solidFill>
+                <a:latin typeface="Cabin"/>
+              </a:rPr>
+              <a:t>án</a:t>
+            </a:r>
+            <a:r>
+              <a:rPr lang="en-US" sz="2199" dirty="0">
+                <a:solidFill>
+                  <a:srgbClr val="000000"/>
+                </a:solidFill>
+                <a:latin typeface="Cabin"/>
+              </a:rPr>
+              <a:t> </a:t>
+            </a:r>
+            <a:r>
+              <a:rPr lang="en-US" sz="2199" dirty="0" err="1">
+                <a:solidFill>
+                  <a:srgbClr val="000000"/>
+                </a:solidFill>
+                <a:latin typeface="Cabin"/>
+              </a:rPr>
+              <a:t>lớn</a:t>
+            </a:r>
+            <a:r>
+              <a:rPr lang="en-US" sz="2199" dirty="0">
+                <a:solidFill>
+                  <a:srgbClr val="000000"/>
+                </a:solidFill>
+                <a:latin typeface="Cabin"/>
+              </a:rPr>
+              <a:t> </a:t>
+            </a:r>
+            <a:r>
+              <a:rPr lang="en-US" sz="2199" dirty="0" err="1">
+                <a:solidFill>
+                  <a:srgbClr val="000000"/>
+                </a:solidFill>
+                <a:latin typeface="Cabin"/>
+              </a:rPr>
+              <a:t>sẽ</a:t>
+            </a:r>
+            <a:r>
+              <a:rPr lang="en-US" sz="2199" dirty="0">
+                <a:solidFill>
+                  <a:srgbClr val="000000"/>
+                </a:solidFill>
+                <a:latin typeface="Cabin"/>
+              </a:rPr>
+              <a:t> </a:t>
+            </a:r>
+            <a:r>
+              <a:rPr lang="en-US" sz="2199" dirty="0" err="1">
+                <a:solidFill>
+                  <a:srgbClr val="000000"/>
+                </a:solidFill>
+                <a:latin typeface="Cabin"/>
+              </a:rPr>
+              <a:t>khó</a:t>
+            </a:r>
+            <a:r>
+              <a:rPr lang="en-US" sz="2199" dirty="0">
+                <a:solidFill>
+                  <a:srgbClr val="000000"/>
+                </a:solidFill>
+                <a:latin typeface="Cabin"/>
+              </a:rPr>
+              <a:t> </a:t>
+            </a:r>
+            <a:r>
+              <a:rPr lang="en-US" sz="2199" dirty="0" err="1">
+                <a:solidFill>
+                  <a:srgbClr val="000000"/>
+                </a:solidFill>
+                <a:latin typeface="Cabin"/>
+              </a:rPr>
+              <a:t>tìm</a:t>
+            </a:r>
+            <a:endParaRPr lang="en-US" sz="2199" dirty="0">
+              <a:solidFill>
+                <a:srgbClr val="000000"/>
+              </a:solidFill>
+              <a:latin typeface="Cabin"/>
+            </a:endParaRPr>
+          </a:p>
+          <a:p>
+            <a:pPr marL="580389" lvl="1" indent="-342900">
+              <a:lnSpc>
+                <a:spcPts val="3079"/>
+              </a:lnSpc>
+              <a:spcBef>
+                <a:spcPct val="0"/>
+              </a:spcBef>
+              <a:buFontTx/>
+              <a:buChar char="-"/>
+            </a:pPr>
+            <a:r>
+              <a:rPr lang="en-US" sz="2199" dirty="0" err="1">
+                <a:solidFill>
+                  <a:srgbClr val="000000"/>
+                </a:solidFill>
+                <a:latin typeface="Cabin"/>
+              </a:rPr>
+              <a:t>Tính</a:t>
+            </a:r>
+            <a:r>
+              <a:rPr lang="en-US" sz="2199" dirty="0">
+                <a:solidFill>
+                  <a:srgbClr val="000000"/>
+                </a:solidFill>
+                <a:latin typeface="Cabin"/>
+              </a:rPr>
+              <a:t> </a:t>
+            </a:r>
+            <a:r>
+              <a:rPr lang="en-US" sz="2199" dirty="0" err="1">
+                <a:solidFill>
+                  <a:srgbClr val="000000"/>
+                </a:solidFill>
+                <a:latin typeface="Cabin"/>
+              </a:rPr>
+              <a:t>bảo</a:t>
+            </a:r>
+            <a:r>
+              <a:rPr lang="en-US" sz="2199" dirty="0">
+                <a:solidFill>
+                  <a:srgbClr val="000000"/>
+                </a:solidFill>
+                <a:latin typeface="Cabin"/>
+              </a:rPr>
+              <a:t> </a:t>
+            </a:r>
+            <a:r>
+              <a:rPr lang="en-US" sz="2199" dirty="0" err="1">
+                <a:solidFill>
+                  <a:srgbClr val="000000"/>
+                </a:solidFill>
+                <a:latin typeface="Cabin"/>
+              </a:rPr>
+              <a:t>mật</a:t>
+            </a:r>
+            <a:r>
+              <a:rPr lang="en-US" sz="2199" dirty="0">
+                <a:solidFill>
+                  <a:srgbClr val="000000"/>
+                </a:solidFill>
+                <a:latin typeface="Cabin"/>
+              </a:rPr>
+              <a:t> </a:t>
+            </a:r>
+            <a:r>
+              <a:rPr lang="en-US" sz="2199" dirty="0" err="1">
+                <a:solidFill>
+                  <a:srgbClr val="000000"/>
+                </a:solidFill>
+                <a:latin typeface="Cabin"/>
+              </a:rPr>
+              <a:t>kém</a:t>
+            </a:r>
+            <a:r>
+              <a:rPr lang="en-US" sz="2199" dirty="0">
+                <a:solidFill>
+                  <a:srgbClr val="000000"/>
+                </a:solidFill>
+                <a:latin typeface="Cabin"/>
+              </a:rPr>
+              <a:t> </a:t>
+            </a:r>
+          </a:p>
+          <a:p>
+            <a:pPr marL="580389" lvl="1" indent="-342900">
+              <a:lnSpc>
+                <a:spcPts val="3079"/>
+              </a:lnSpc>
+              <a:spcBef>
+                <a:spcPct val="0"/>
+              </a:spcBef>
+              <a:buFontTx/>
+              <a:buChar char="-"/>
+            </a:pPr>
+            <a:r>
+              <a:rPr lang="en-US" sz="2199" dirty="0" err="1">
+                <a:solidFill>
+                  <a:srgbClr val="000000"/>
+                </a:solidFill>
+                <a:latin typeface="Cabin"/>
+              </a:rPr>
+              <a:t>Khó</a:t>
+            </a:r>
+            <a:r>
+              <a:rPr lang="en-US" sz="2199" dirty="0">
+                <a:solidFill>
+                  <a:srgbClr val="000000"/>
+                </a:solidFill>
+                <a:latin typeface="Cabin"/>
+              </a:rPr>
+              <a:t> </a:t>
+            </a:r>
+            <a:r>
+              <a:rPr lang="en-US" sz="2199" dirty="0" err="1">
+                <a:solidFill>
+                  <a:srgbClr val="000000"/>
+                </a:solidFill>
+                <a:latin typeface="Cabin"/>
+              </a:rPr>
+              <a:t>tái</a:t>
+            </a:r>
+            <a:r>
+              <a:rPr lang="en-US" sz="2199" dirty="0">
+                <a:solidFill>
+                  <a:srgbClr val="000000"/>
+                </a:solidFill>
+                <a:latin typeface="Cabin"/>
+              </a:rPr>
+              <a:t> </a:t>
+            </a:r>
+            <a:r>
+              <a:rPr lang="en-US" sz="2199" dirty="0" err="1">
+                <a:solidFill>
+                  <a:srgbClr val="000000"/>
+                </a:solidFill>
+                <a:latin typeface="Cabin"/>
+              </a:rPr>
+              <a:t>sử</a:t>
+            </a:r>
+            <a:r>
+              <a:rPr lang="en-US" sz="2199" dirty="0">
+                <a:solidFill>
+                  <a:srgbClr val="000000"/>
+                </a:solidFill>
+                <a:latin typeface="Cabin"/>
+              </a:rPr>
+              <a:t> </a:t>
+            </a:r>
+            <a:r>
+              <a:rPr lang="en-US" sz="2199" dirty="0" err="1">
+                <a:solidFill>
+                  <a:srgbClr val="000000"/>
+                </a:solidFill>
+                <a:latin typeface="Cabin"/>
+              </a:rPr>
+              <a:t>dụng</a:t>
+            </a:r>
+            <a:r>
+              <a:rPr lang="en-US" sz="2199" dirty="0">
+                <a:solidFill>
+                  <a:srgbClr val="000000"/>
+                </a:solidFill>
+                <a:latin typeface="Cabin"/>
+              </a:rPr>
+              <a:t> </a:t>
+            </a:r>
+          </a:p>
+          <a:p>
+            <a:pPr marL="237489" lvl="1">
+              <a:lnSpc>
+                <a:spcPts val="3079"/>
+              </a:lnSpc>
+              <a:spcBef>
+                <a:spcPct val="0"/>
+              </a:spcBef>
+            </a:pPr>
+            <a:r>
+              <a:rPr lang="en-US" sz="2199" dirty="0">
+                <a:solidFill>
+                  <a:srgbClr val="000000"/>
+                </a:solidFill>
+                <a:latin typeface="Cabin"/>
+                <a:sym typeface="Wingdings" panose="05000000000000000000" pitchFamily="2" charset="2"/>
+              </a:rPr>
+              <a:t> </a:t>
+            </a:r>
+            <a:r>
+              <a:rPr lang="en-US" sz="2199" dirty="0" err="1">
+                <a:solidFill>
+                  <a:srgbClr val="000000"/>
+                </a:solidFill>
+                <a:latin typeface="Cabin"/>
+                <a:sym typeface="Wingdings" panose="05000000000000000000" pitchFamily="2" charset="2"/>
+              </a:rPr>
+              <a:t>Hiệu</a:t>
+            </a:r>
+            <a:r>
+              <a:rPr lang="en-US" sz="2199" dirty="0">
+                <a:solidFill>
+                  <a:srgbClr val="000000"/>
+                </a:solidFill>
+                <a:latin typeface="Cabin"/>
+                <a:sym typeface="Wingdings" panose="05000000000000000000" pitchFamily="2" charset="2"/>
+              </a:rPr>
+              <a:t> </a:t>
+            </a:r>
+            <a:r>
+              <a:rPr lang="en-US" sz="2199" dirty="0" err="1">
+                <a:solidFill>
+                  <a:srgbClr val="000000"/>
+                </a:solidFill>
+                <a:latin typeface="Cabin"/>
+                <a:sym typeface="Wingdings" panose="05000000000000000000" pitchFamily="2" charset="2"/>
+              </a:rPr>
+              <a:t>xuất</a:t>
+            </a:r>
+            <a:r>
+              <a:rPr lang="en-US" sz="2199" dirty="0">
+                <a:solidFill>
+                  <a:srgbClr val="000000"/>
+                </a:solidFill>
+                <a:latin typeface="Cabin"/>
+                <a:sym typeface="Wingdings" panose="05000000000000000000" pitchFamily="2" charset="2"/>
+              </a:rPr>
+              <a:t> </a:t>
+            </a:r>
+            <a:r>
+              <a:rPr lang="en-US" sz="2199" dirty="0" err="1">
+                <a:solidFill>
+                  <a:srgbClr val="000000"/>
+                </a:solidFill>
+                <a:latin typeface="Cabin"/>
+                <a:sym typeface="Wingdings" panose="05000000000000000000" pitchFamily="2" charset="2"/>
+              </a:rPr>
+              <a:t>tải</a:t>
+            </a:r>
+            <a:r>
+              <a:rPr lang="en-US" sz="2199" dirty="0">
+                <a:solidFill>
+                  <a:srgbClr val="000000"/>
+                </a:solidFill>
+                <a:latin typeface="Cabin"/>
+                <a:sym typeface="Wingdings" panose="05000000000000000000" pitchFamily="2" charset="2"/>
+              </a:rPr>
+              <a:t> </a:t>
+            </a:r>
+            <a:r>
+              <a:rPr lang="en-US" sz="2199" dirty="0" err="1">
+                <a:solidFill>
+                  <a:srgbClr val="000000"/>
+                </a:solidFill>
+                <a:latin typeface="Cabin"/>
+                <a:sym typeface="Wingdings" panose="05000000000000000000" pitchFamily="2" charset="2"/>
+              </a:rPr>
+              <a:t>trang</a:t>
+            </a:r>
+            <a:r>
+              <a:rPr lang="en-US" sz="2199" dirty="0">
+                <a:solidFill>
+                  <a:srgbClr val="000000"/>
+                </a:solidFill>
+                <a:latin typeface="Cabin"/>
+                <a:sym typeface="Wingdings" panose="05000000000000000000" pitchFamily="2" charset="2"/>
+              </a:rPr>
+              <a:t> </a:t>
+            </a:r>
+            <a:r>
+              <a:rPr lang="en-US" sz="2199" dirty="0" err="1">
+                <a:solidFill>
+                  <a:srgbClr val="000000"/>
+                </a:solidFill>
+                <a:latin typeface="Cabin"/>
+                <a:sym typeface="Wingdings" panose="05000000000000000000" pitchFamily="2" charset="2"/>
+              </a:rPr>
+              <a:t>và</a:t>
+            </a:r>
+            <a:r>
+              <a:rPr lang="en-US" sz="2199" dirty="0">
+                <a:solidFill>
+                  <a:srgbClr val="000000"/>
+                </a:solidFill>
+                <a:latin typeface="Cabin"/>
+                <a:sym typeface="Wingdings" panose="05000000000000000000" pitchFamily="2" charset="2"/>
+              </a:rPr>
+              <a:t> </a:t>
+            </a:r>
+            <a:r>
+              <a:rPr lang="en-US" sz="2199" dirty="0" err="1">
+                <a:solidFill>
+                  <a:srgbClr val="000000"/>
+                </a:solidFill>
+                <a:latin typeface="Cabin"/>
+                <a:sym typeface="Wingdings" panose="05000000000000000000" pitchFamily="2" charset="2"/>
+              </a:rPr>
+              <a:t>xử</a:t>
+            </a:r>
+            <a:r>
+              <a:rPr lang="en-US" sz="2199" dirty="0">
+                <a:solidFill>
+                  <a:srgbClr val="000000"/>
+                </a:solidFill>
+                <a:latin typeface="Cabin"/>
+                <a:sym typeface="Wingdings" panose="05000000000000000000" pitchFamily="2" charset="2"/>
+              </a:rPr>
+              <a:t> </a:t>
+            </a:r>
+            <a:r>
+              <a:rPr lang="en-US" sz="2199" dirty="0" err="1">
+                <a:solidFill>
+                  <a:srgbClr val="000000"/>
+                </a:solidFill>
+                <a:latin typeface="Cabin"/>
+                <a:sym typeface="Wingdings" panose="05000000000000000000" pitchFamily="2" charset="2"/>
+              </a:rPr>
+              <a:t>lí</a:t>
+            </a:r>
+            <a:r>
+              <a:rPr lang="en-US" sz="2199" dirty="0">
+                <a:solidFill>
+                  <a:srgbClr val="000000"/>
+                </a:solidFill>
+                <a:latin typeface="Cabin"/>
+                <a:sym typeface="Wingdings" panose="05000000000000000000" pitchFamily="2" charset="2"/>
+              </a:rPr>
+              <a:t> </a:t>
+            </a:r>
+            <a:r>
+              <a:rPr lang="en-US" sz="2199" dirty="0" err="1">
+                <a:solidFill>
+                  <a:srgbClr val="000000"/>
+                </a:solidFill>
+                <a:latin typeface="Cabin"/>
+                <a:sym typeface="Wingdings" panose="05000000000000000000" pitchFamily="2" charset="2"/>
+              </a:rPr>
+              <a:t>kém</a:t>
+            </a:r>
+            <a:r>
+              <a:rPr lang="en-US" sz="2199" dirty="0">
+                <a:solidFill>
+                  <a:srgbClr val="000000"/>
+                </a:solidFill>
+                <a:latin typeface="Cabin"/>
+                <a:sym typeface="Wingdings" panose="05000000000000000000" pitchFamily="2" charset="2"/>
+              </a:rPr>
+              <a:t> , </a:t>
+            </a:r>
+            <a:r>
+              <a:rPr lang="en-US" sz="2199" dirty="0" err="1">
+                <a:solidFill>
+                  <a:srgbClr val="000000"/>
+                </a:solidFill>
+                <a:latin typeface="Cabin"/>
+                <a:sym typeface="Wingdings" panose="05000000000000000000" pitchFamily="2" charset="2"/>
+              </a:rPr>
+              <a:t>khó</a:t>
+            </a:r>
+            <a:r>
+              <a:rPr lang="en-US" sz="2199" dirty="0">
+                <a:solidFill>
+                  <a:srgbClr val="000000"/>
+                </a:solidFill>
+                <a:latin typeface="Cabin"/>
+                <a:sym typeface="Wingdings" panose="05000000000000000000" pitchFamily="2" charset="2"/>
+              </a:rPr>
+              <a:t> </a:t>
+            </a:r>
+            <a:r>
+              <a:rPr lang="en-US" sz="2199" dirty="0" err="1">
+                <a:solidFill>
+                  <a:srgbClr val="000000"/>
+                </a:solidFill>
+                <a:latin typeface="Cabin"/>
+                <a:sym typeface="Wingdings" panose="05000000000000000000" pitchFamily="2" charset="2"/>
+              </a:rPr>
+              <a:t>thử</a:t>
+            </a:r>
+            <a:r>
+              <a:rPr lang="en-US" sz="2199" dirty="0">
+                <a:solidFill>
+                  <a:srgbClr val="000000"/>
+                </a:solidFill>
+                <a:latin typeface="Cabin"/>
+                <a:sym typeface="Wingdings" panose="05000000000000000000" pitchFamily="2" charset="2"/>
+              </a:rPr>
+              <a:t> </a:t>
+            </a:r>
+            <a:r>
+              <a:rPr lang="en-US" sz="2199" dirty="0" err="1">
+                <a:solidFill>
+                  <a:srgbClr val="000000"/>
+                </a:solidFill>
+                <a:latin typeface="Cabin"/>
+                <a:sym typeface="Wingdings" panose="05000000000000000000" pitchFamily="2" charset="2"/>
+              </a:rPr>
+              <a:t>nghiệm</a:t>
+            </a:r>
+            <a:r>
+              <a:rPr lang="en-US" sz="2199" dirty="0">
+                <a:solidFill>
+                  <a:srgbClr val="000000"/>
+                </a:solidFill>
+                <a:latin typeface="Cabin"/>
+                <a:sym typeface="Wingdings" panose="05000000000000000000" pitchFamily="2" charset="2"/>
+              </a:rPr>
+              <a:t> code </a:t>
+            </a:r>
+            <a:r>
+              <a:rPr lang="en-US" sz="2199" dirty="0" err="1">
+                <a:solidFill>
+                  <a:srgbClr val="000000"/>
+                </a:solidFill>
+                <a:latin typeface="Cabin"/>
+                <a:sym typeface="Wingdings" panose="05000000000000000000" pitchFamily="2" charset="2"/>
+              </a:rPr>
+              <a:t>và</a:t>
+            </a:r>
+            <a:r>
+              <a:rPr lang="en-US" sz="2199" dirty="0">
+                <a:solidFill>
+                  <a:srgbClr val="000000"/>
+                </a:solidFill>
+                <a:latin typeface="Cabin"/>
+                <a:sym typeface="Wingdings" panose="05000000000000000000" pitchFamily="2" charset="2"/>
+              </a:rPr>
+              <a:t> </a:t>
+            </a:r>
+            <a:r>
+              <a:rPr lang="en-US" sz="2199" dirty="0" err="1">
+                <a:solidFill>
+                  <a:srgbClr val="000000"/>
+                </a:solidFill>
+                <a:latin typeface="Cabin"/>
+                <a:sym typeface="Wingdings" panose="05000000000000000000" pitchFamily="2" charset="2"/>
+              </a:rPr>
+              <a:t>thử</a:t>
+            </a:r>
+            <a:r>
+              <a:rPr lang="en-US" sz="2199" dirty="0">
+                <a:solidFill>
+                  <a:srgbClr val="000000"/>
+                </a:solidFill>
+                <a:latin typeface="Cabin"/>
+                <a:sym typeface="Wingdings" panose="05000000000000000000" pitchFamily="2" charset="2"/>
+              </a:rPr>
+              <a:t> </a:t>
+            </a:r>
+            <a:r>
+              <a:rPr lang="en-US" sz="2199" dirty="0" err="1">
+                <a:solidFill>
+                  <a:srgbClr val="000000"/>
+                </a:solidFill>
+                <a:latin typeface="Cabin"/>
+                <a:sym typeface="Wingdings" panose="05000000000000000000" pitchFamily="2" charset="2"/>
+              </a:rPr>
+              <a:t>lỗi</a:t>
+            </a:r>
+            <a:endParaRPr lang="en-US" sz="2199" dirty="0">
+              <a:solidFill>
+                <a:srgbClr val="000000"/>
+              </a:solidFill>
+              <a:latin typeface="Cabin"/>
+            </a:endParaRPr>
           </a:p>
         </p:txBody>
       </p:sp>
